--- a/Slides/Fig9.pptx
+++ b/Slides/Fig9.pptx
@@ -1,11 +1,11 @@
 
 <file path=ppt/presentation.xml><?xml version="1.0" encoding="utf-8"?>
-<p:presentation xmlns:a="http://schemas.openxmlformats.org/drawingml/2006/main" xmlns:r="http://schemas.openxmlformats.org/officeDocument/2006/relationships" xmlns:p="http://schemas.openxmlformats.org/presentationml/2006/main" saveSubsetFonts="1">
+<p:presentation xmlns:a="http://schemas.openxmlformats.org/drawingml/2006/main" xmlns:r="http://schemas.openxmlformats.org/officeDocument/2006/relationships" xmlns:p="http://schemas.openxmlformats.org/presentationml/2006/main" saveSubsetFonts="1" autoCompressPictures="0">
   <p:sldMasterIdLst>
-    <p:sldMasterId id="2147483648" r:id="rId1"/>
+    <p:sldMasterId id="2147483648" r:id="rId4"/>
   </p:sldMasterIdLst>
   <p:sldIdLst>
-    <p:sldId id="256" r:id="rId2"/>
+    <p:sldId id="256" r:id="rId5"/>
   </p:sldIdLst>
   <p:sldSz cx="12192000" cy="6858000"/>
   <p:notesSz cx="6858000" cy="9144000"/>
@@ -134,7 +134,7 @@
           <p:cNvPr id="2" name="Titolo 1">
             <a:extLst>
               <a:ext uri="{FF2B5EF4-FFF2-40B4-BE49-F238E27FC236}">
-                <a16:creationId xmlns:a16="http://schemas.microsoft.com/office/drawing/2014/main" id="{1C9FC4D7-B3AC-B4C0-0F52-BDAEEAF72685}"/>
+                <a16:creationId xmlns:a16="http://schemas.microsoft.com/office/drawing/2014/main" id="{CB566ECC-1E8D-AD5B-D6A8-EC64805E60B0}"/>
               </a:ext>
             </a:extLst>
           </p:cNvPr>
@@ -171,7 +171,7 @@
           <p:cNvPr id="3" name="Sottotitolo 2">
             <a:extLst>
               <a:ext uri="{FF2B5EF4-FFF2-40B4-BE49-F238E27FC236}">
-                <a16:creationId xmlns:a16="http://schemas.microsoft.com/office/drawing/2014/main" id="{5268DB03-7502-7840-CE84-84309BAEBA78}"/>
+                <a16:creationId xmlns:a16="http://schemas.microsoft.com/office/drawing/2014/main" id="{320A797D-005E-3676-3DE1-D93AD505EF65}"/>
               </a:ext>
             </a:extLst>
           </p:cNvPr>
@@ -241,7 +241,7 @@
           <p:cNvPr id="4" name="Segnaposto data 3">
             <a:extLst>
               <a:ext uri="{FF2B5EF4-FFF2-40B4-BE49-F238E27FC236}">
-                <a16:creationId xmlns:a16="http://schemas.microsoft.com/office/drawing/2014/main" id="{635AE48A-D806-DA38-7AAB-9B9C9F544273}"/>
+                <a16:creationId xmlns:a16="http://schemas.microsoft.com/office/drawing/2014/main" id="{545CAF74-5F20-72A6-ABCA-3DD980399FD7}"/>
               </a:ext>
             </a:extLst>
           </p:cNvPr>
@@ -257,9 +257,9 @@
           <a:bodyPr/>
           <a:lstStyle/>
           <a:p>
-            <a:fld id="{CED95E0A-A51C-457C-8A9F-5CFC582E428A}" type="datetimeFigureOut">
+            <a:fld id="{88C687E7-504C-463E-A938-E97E3F497B8F}" type="datetimeFigureOut">
               <a:rPr lang="it-IT" smtClean="0"/>
-              <a:t>20/02/2023</a:t>
+              <a:t>24/05/2023</a:t>
             </a:fld>
             <a:endParaRPr lang="it-IT"/>
           </a:p>
@@ -270,7 +270,7 @@
           <p:cNvPr id="5" name="Segnaposto piè di pagina 4">
             <a:extLst>
               <a:ext uri="{FF2B5EF4-FFF2-40B4-BE49-F238E27FC236}">
-                <a16:creationId xmlns:a16="http://schemas.microsoft.com/office/drawing/2014/main" id="{C8E424F6-1092-5721-0A94-DD3EF22C17CF}"/>
+                <a16:creationId xmlns:a16="http://schemas.microsoft.com/office/drawing/2014/main" id="{948907A7-5D77-8D22-098D-8042FC17774F}"/>
               </a:ext>
             </a:extLst>
           </p:cNvPr>
@@ -295,7 +295,7 @@
           <p:cNvPr id="6" name="Segnaposto numero diapositiva 5">
             <a:extLst>
               <a:ext uri="{FF2B5EF4-FFF2-40B4-BE49-F238E27FC236}">
-                <a16:creationId xmlns:a16="http://schemas.microsoft.com/office/drawing/2014/main" id="{77B322E7-AD8C-5780-F152-2303D72E15BB}"/>
+                <a16:creationId xmlns:a16="http://schemas.microsoft.com/office/drawing/2014/main" id="{694937E2-17A8-8058-06BD-0642C8B6804B}"/>
               </a:ext>
             </a:extLst>
           </p:cNvPr>
@@ -311,7 +311,7 @@
           <a:bodyPr/>
           <a:lstStyle/>
           <a:p>
-            <a:fld id="{3D337251-BDAC-4C2A-A50F-1C9D70009F78}" type="slidenum">
+            <a:fld id="{D5960013-E842-424F-A943-58D928E9A684}" type="slidenum">
               <a:rPr lang="it-IT" smtClean="0"/>
               <a:t>‹N›</a:t>
             </a:fld>
@@ -322,7 +322,7 @@
     </p:spTree>
     <p:extLst>
       <p:ext uri="{BB962C8B-B14F-4D97-AF65-F5344CB8AC3E}">
-        <p14:creationId xmlns:p14="http://schemas.microsoft.com/office/powerpoint/2010/main" val="945725544"/>
+        <p14:creationId xmlns:p14="http://schemas.microsoft.com/office/powerpoint/2010/main" val="657477560"/>
       </p:ext>
     </p:extLst>
   </p:cSld>
@@ -354,7 +354,7 @@
           <p:cNvPr id="2" name="Titolo 1">
             <a:extLst>
               <a:ext uri="{FF2B5EF4-FFF2-40B4-BE49-F238E27FC236}">
-                <a16:creationId xmlns:a16="http://schemas.microsoft.com/office/drawing/2014/main" id="{A3B37611-F360-A224-B6FE-F6ABBB70B3AC}"/>
+                <a16:creationId xmlns:a16="http://schemas.microsoft.com/office/drawing/2014/main" id="{4EE9E035-56BA-7CA7-3DE9-490D1B8C3F77}"/>
               </a:ext>
             </a:extLst>
           </p:cNvPr>
@@ -382,7 +382,7 @@
           <p:cNvPr id="3" name="Segnaposto testo verticale 2">
             <a:extLst>
               <a:ext uri="{FF2B5EF4-FFF2-40B4-BE49-F238E27FC236}">
-                <a16:creationId xmlns:a16="http://schemas.microsoft.com/office/drawing/2014/main" id="{68DDDDCD-536B-4945-DC35-A4B5D1AC8B76}"/>
+                <a16:creationId xmlns:a16="http://schemas.microsoft.com/office/drawing/2014/main" id="{0074CAA9-A371-81C0-C9AB-A9FE801EC7AF}"/>
               </a:ext>
             </a:extLst>
           </p:cNvPr>
@@ -439,7 +439,7 @@
           <p:cNvPr id="4" name="Segnaposto data 3">
             <a:extLst>
               <a:ext uri="{FF2B5EF4-FFF2-40B4-BE49-F238E27FC236}">
-                <a16:creationId xmlns:a16="http://schemas.microsoft.com/office/drawing/2014/main" id="{7C965AA8-5F99-FDCC-A0AE-620AF364B867}"/>
+                <a16:creationId xmlns:a16="http://schemas.microsoft.com/office/drawing/2014/main" id="{50C13F48-E4AE-0069-4AA0-9C8704EF40DE}"/>
               </a:ext>
             </a:extLst>
           </p:cNvPr>
@@ -455,9 +455,9 @@
           <a:bodyPr/>
           <a:lstStyle/>
           <a:p>
-            <a:fld id="{CED95E0A-A51C-457C-8A9F-5CFC582E428A}" type="datetimeFigureOut">
+            <a:fld id="{88C687E7-504C-463E-A938-E97E3F497B8F}" type="datetimeFigureOut">
               <a:rPr lang="it-IT" smtClean="0"/>
-              <a:t>20/02/2023</a:t>
+              <a:t>24/05/2023</a:t>
             </a:fld>
             <a:endParaRPr lang="it-IT"/>
           </a:p>
@@ -468,7 +468,7 @@
           <p:cNvPr id="5" name="Segnaposto piè di pagina 4">
             <a:extLst>
               <a:ext uri="{FF2B5EF4-FFF2-40B4-BE49-F238E27FC236}">
-                <a16:creationId xmlns:a16="http://schemas.microsoft.com/office/drawing/2014/main" id="{AAC65519-3148-D2EA-E542-4D99CD3F449D}"/>
+                <a16:creationId xmlns:a16="http://schemas.microsoft.com/office/drawing/2014/main" id="{DF3F025F-D6A5-FFAE-AF94-C9EBD4123B9C}"/>
               </a:ext>
             </a:extLst>
           </p:cNvPr>
@@ -493,7 +493,7 @@
           <p:cNvPr id="6" name="Segnaposto numero diapositiva 5">
             <a:extLst>
               <a:ext uri="{FF2B5EF4-FFF2-40B4-BE49-F238E27FC236}">
-                <a16:creationId xmlns:a16="http://schemas.microsoft.com/office/drawing/2014/main" id="{F83E9F29-C246-36F1-F44A-28CA67EFFC55}"/>
+                <a16:creationId xmlns:a16="http://schemas.microsoft.com/office/drawing/2014/main" id="{175BAD6F-6FF5-FF11-7840-6807BB9008B1}"/>
               </a:ext>
             </a:extLst>
           </p:cNvPr>
@@ -509,7 +509,7 @@
           <a:bodyPr/>
           <a:lstStyle/>
           <a:p>
-            <a:fld id="{3D337251-BDAC-4C2A-A50F-1C9D70009F78}" type="slidenum">
+            <a:fld id="{D5960013-E842-424F-A943-58D928E9A684}" type="slidenum">
               <a:rPr lang="it-IT" smtClean="0"/>
               <a:t>‹N›</a:t>
             </a:fld>
@@ -520,7 +520,7 @@
     </p:spTree>
     <p:extLst>
       <p:ext uri="{BB962C8B-B14F-4D97-AF65-F5344CB8AC3E}">
-        <p14:creationId xmlns:p14="http://schemas.microsoft.com/office/powerpoint/2010/main" val="3396271646"/>
+        <p14:creationId xmlns:p14="http://schemas.microsoft.com/office/powerpoint/2010/main" val="2185490242"/>
       </p:ext>
     </p:extLst>
   </p:cSld>
@@ -552,7 +552,7 @@
           <p:cNvPr id="2" name="Titolo verticale 1">
             <a:extLst>
               <a:ext uri="{FF2B5EF4-FFF2-40B4-BE49-F238E27FC236}">
-                <a16:creationId xmlns:a16="http://schemas.microsoft.com/office/drawing/2014/main" id="{CD238EF6-7EBC-5441-0084-6B69E5F63A23}"/>
+                <a16:creationId xmlns:a16="http://schemas.microsoft.com/office/drawing/2014/main" id="{54B2B287-AED8-43E1-B795-6708AE0C6E17}"/>
               </a:ext>
             </a:extLst>
           </p:cNvPr>
@@ -585,7 +585,7 @@
           <p:cNvPr id="3" name="Segnaposto testo verticale 2">
             <a:extLst>
               <a:ext uri="{FF2B5EF4-FFF2-40B4-BE49-F238E27FC236}">
-                <a16:creationId xmlns:a16="http://schemas.microsoft.com/office/drawing/2014/main" id="{5D9CF8F5-1A6F-F767-5F39-A987DE695CDF}"/>
+                <a16:creationId xmlns:a16="http://schemas.microsoft.com/office/drawing/2014/main" id="{95E7303B-1844-4273-0A94-29466BF7C141}"/>
               </a:ext>
             </a:extLst>
           </p:cNvPr>
@@ -647,7 +647,7 @@
           <p:cNvPr id="4" name="Segnaposto data 3">
             <a:extLst>
               <a:ext uri="{FF2B5EF4-FFF2-40B4-BE49-F238E27FC236}">
-                <a16:creationId xmlns:a16="http://schemas.microsoft.com/office/drawing/2014/main" id="{2473DBC7-FA10-8B1D-0747-C9556E5D39AD}"/>
+                <a16:creationId xmlns:a16="http://schemas.microsoft.com/office/drawing/2014/main" id="{F2C768E5-E63F-73C5-9E0E-D95A8D4AA023}"/>
               </a:ext>
             </a:extLst>
           </p:cNvPr>
@@ -663,9 +663,9 @@
           <a:bodyPr/>
           <a:lstStyle/>
           <a:p>
-            <a:fld id="{CED95E0A-A51C-457C-8A9F-5CFC582E428A}" type="datetimeFigureOut">
+            <a:fld id="{88C687E7-504C-463E-A938-E97E3F497B8F}" type="datetimeFigureOut">
               <a:rPr lang="it-IT" smtClean="0"/>
-              <a:t>20/02/2023</a:t>
+              <a:t>24/05/2023</a:t>
             </a:fld>
             <a:endParaRPr lang="it-IT"/>
           </a:p>
@@ -676,7 +676,7 @@
           <p:cNvPr id="5" name="Segnaposto piè di pagina 4">
             <a:extLst>
               <a:ext uri="{FF2B5EF4-FFF2-40B4-BE49-F238E27FC236}">
-                <a16:creationId xmlns:a16="http://schemas.microsoft.com/office/drawing/2014/main" id="{C6BB4324-CE97-29CF-E174-6FB9CBD92AEC}"/>
+                <a16:creationId xmlns:a16="http://schemas.microsoft.com/office/drawing/2014/main" id="{C03F501D-B2CA-608F-A833-A42035DB7A13}"/>
               </a:ext>
             </a:extLst>
           </p:cNvPr>
@@ -701,7 +701,7 @@
           <p:cNvPr id="6" name="Segnaposto numero diapositiva 5">
             <a:extLst>
               <a:ext uri="{FF2B5EF4-FFF2-40B4-BE49-F238E27FC236}">
-                <a16:creationId xmlns:a16="http://schemas.microsoft.com/office/drawing/2014/main" id="{33E4209A-639A-2662-02EC-5040071486F9}"/>
+                <a16:creationId xmlns:a16="http://schemas.microsoft.com/office/drawing/2014/main" id="{66CD1C91-0C32-79DD-CAA3-BCFF9E2C00CF}"/>
               </a:ext>
             </a:extLst>
           </p:cNvPr>
@@ -717,7 +717,7 @@
           <a:bodyPr/>
           <a:lstStyle/>
           <a:p>
-            <a:fld id="{3D337251-BDAC-4C2A-A50F-1C9D70009F78}" type="slidenum">
+            <a:fld id="{D5960013-E842-424F-A943-58D928E9A684}" type="slidenum">
               <a:rPr lang="it-IT" smtClean="0"/>
               <a:t>‹N›</a:t>
             </a:fld>
@@ -728,7 +728,7 @@
     </p:spTree>
     <p:extLst>
       <p:ext uri="{BB962C8B-B14F-4D97-AF65-F5344CB8AC3E}">
-        <p14:creationId xmlns:p14="http://schemas.microsoft.com/office/powerpoint/2010/main" val="2274829027"/>
+        <p14:creationId xmlns:p14="http://schemas.microsoft.com/office/powerpoint/2010/main" val="2724315271"/>
       </p:ext>
     </p:extLst>
   </p:cSld>
@@ -760,7 +760,7 @@
           <p:cNvPr id="2" name="Titolo 1">
             <a:extLst>
               <a:ext uri="{FF2B5EF4-FFF2-40B4-BE49-F238E27FC236}">
-                <a16:creationId xmlns:a16="http://schemas.microsoft.com/office/drawing/2014/main" id="{DB5568EA-BC80-6023-3168-1DBFBB3A23A4}"/>
+                <a16:creationId xmlns:a16="http://schemas.microsoft.com/office/drawing/2014/main" id="{2DD0B33B-4CE5-2D7D-98E6-C6CC56CE23BD}"/>
               </a:ext>
             </a:extLst>
           </p:cNvPr>
@@ -788,7 +788,7 @@
           <p:cNvPr id="3" name="Segnaposto contenuto 2">
             <a:extLst>
               <a:ext uri="{FF2B5EF4-FFF2-40B4-BE49-F238E27FC236}">
-                <a16:creationId xmlns:a16="http://schemas.microsoft.com/office/drawing/2014/main" id="{8BC8E79E-B1D7-6D46-08E2-3BC6BB9A386B}"/>
+                <a16:creationId xmlns:a16="http://schemas.microsoft.com/office/drawing/2014/main" id="{48907168-B751-D269-CC85-9D736E552ED9}"/>
               </a:ext>
             </a:extLst>
           </p:cNvPr>
@@ -845,7 +845,7 @@
           <p:cNvPr id="4" name="Segnaposto data 3">
             <a:extLst>
               <a:ext uri="{FF2B5EF4-FFF2-40B4-BE49-F238E27FC236}">
-                <a16:creationId xmlns:a16="http://schemas.microsoft.com/office/drawing/2014/main" id="{AE095030-A9AE-8CF9-1AEC-FFADD4F11567}"/>
+                <a16:creationId xmlns:a16="http://schemas.microsoft.com/office/drawing/2014/main" id="{1E9EE2CD-23E8-624A-06AB-5578DD9B1411}"/>
               </a:ext>
             </a:extLst>
           </p:cNvPr>
@@ -861,9 +861,9 @@
           <a:bodyPr/>
           <a:lstStyle/>
           <a:p>
-            <a:fld id="{CED95E0A-A51C-457C-8A9F-5CFC582E428A}" type="datetimeFigureOut">
+            <a:fld id="{88C687E7-504C-463E-A938-E97E3F497B8F}" type="datetimeFigureOut">
               <a:rPr lang="it-IT" smtClean="0"/>
-              <a:t>20/02/2023</a:t>
+              <a:t>24/05/2023</a:t>
             </a:fld>
             <a:endParaRPr lang="it-IT"/>
           </a:p>
@@ -874,7 +874,7 @@
           <p:cNvPr id="5" name="Segnaposto piè di pagina 4">
             <a:extLst>
               <a:ext uri="{FF2B5EF4-FFF2-40B4-BE49-F238E27FC236}">
-                <a16:creationId xmlns:a16="http://schemas.microsoft.com/office/drawing/2014/main" id="{64736E6B-85BC-2AD7-BB84-96ADEE355057}"/>
+                <a16:creationId xmlns:a16="http://schemas.microsoft.com/office/drawing/2014/main" id="{CBA56B92-F1D6-930E-F789-CBB592E3D7DD}"/>
               </a:ext>
             </a:extLst>
           </p:cNvPr>
@@ -899,7 +899,7 @@
           <p:cNvPr id="6" name="Segnaposto numero diapositiva 5">
             <a:extLst>
               <a:ext uri="{FF2B5EF4-FFF2-40B4-BE49-F238E27FC236}">
-                <a16:creationId xmlns:a16="http://schemas.microsoft.com/office/drawing/2014/main" id="{264C6710-4834-52BC-1173-17C02F9766E7}"/>
+                <a16:creationId xmlns:a16="http://schemas.microsoft.com/office/drawing/2014/main" id="{CF3D79DD-8B4C-C784-19CE-A6406436FD9D}"/>
               </a:ext>
             </a:extLst>
           </p:cNvPr>
@@ -915,7 +915,7 @@
           <a:bodyPr/>
           <a:lstStyle/>
           <a:p>
-            <a:fld id="{3D337251-BDAC-4C2A-A50F-1C9D70009F78}" type="slidenum">
+            <a:fld id="{D5960013-E842-424F-A943-58D928E9A684}" type="slidenum">
               <a:rPr lang="it-IT" smtClean="0"/>
               <a:t>‹N›</a:t>
             </a:fld>
@@ -926,7 +926,7 @@
     </p:spTree>
     <p:extLst>
       <p:ext uri="{BB962C8B-B14F-4D97-AF65-F5344CB8AC3E}">
-        <p14:creationId xmlns:p14="http://schemas.microsoft.com/office/powerpoint/2010/main" val="2388597134"/>
+        <p14:creationId xmlns:p14="http://schemas.microsoft.com/office/powerpoint/2010/main" val="3354254199"/>
       </p:ext>
     </p:extLst>
   </p:cSld>
@@ -958,7 +958,7 @@
           <p:cNvPr id="2" name="Titolo 1">
             <a:extLst>
               <a:ext uri="{FF2B5EF4-FFF2-40B4-BE49-F238E27FC236}">
-                <a16:creationId xmlns:a16="http://schemas.microsoft.com/office/drawing/2014/main" id="{4CCAAEE7-B628-6510-9507-0E8F8990F4B1}"/>
+                <a16:creationId xmlns:a16="http://schemas.microsoft.com/office/drawing/2014/main" id="{D6D48AF0-CB9D-A698-4532-79714A0A3B97}"/>
               </a:ext>
             </a:extLst>
           </p:cNvPr>
@@ -995,7 +995,7 @@
           <p:cNvPr id="3" name="Segnaposto testo 2">
             <a:extLst>
               <a:ext uri="{FF2B5EF4-FFF2-40B4-BE49-F238E27FC236}">
-                <a16:creationId xmlns:a16="http://schemas.microsoft.com/office/drawing/2014/main" id="{799D25EC-4EE7-F258-4892-A3701B5B178B}"/>
+                <a16:creationId xmlns:a16="http://schemas.microsoft.com/office/drawing/2014/main" id="{30930710-D143-AF62-7C8A-BD8079A0E663}"/>
               </a:ext>
             </a:extLst>
           </p:cNvPr>
@@ -1120,7 +1120,7 @@
           <p:cNvPr id="4" name="Segnaposto data 3">
             <a:extLst>
               <a:ext uri="{FF2B5EF4-FFF2-40B4-BE49-F238E27FC236}">
-                <a16:creationId xmlns:a16="http://schemas.microsoft.com/office/drawing/2014/main" id="{94C89D0F-330B-2D0B-3B48-37498739CAAF}"/>
+                <a16:creationId xmlns:a16="http://schemas.microsoft.com/office/drawing/2014/main" id="{9C3525DB-5C17-DCC7-A7EC-934DDB440E3F}"/>
               </a:ext>
             </a:extLst>
           </p:cNvPr>
@@ -1136,9 +1136,9 @@
           <a:bodyPr/>
           <a:lstStyle/>
           <a:p>
-            <a:fld id="{CED95E0A-A51C-457C-8A9F-5CFC582E428A}" type="datetimeFigureOut">
+            <a:fld id="{88C687E7-504C-463E-A938-E97E3F497B8F}" type="datetimeFigureOut">
               <a:rPr lang="it-IT" smtClean="0"/>
-              <a:t>20/02/2023</a:t>
+              <a:t>24/05/2023</a:t>
             </a:fld>
             <a:endParaRPr lang="it-IT"/>
           </a:p>
@@ -1149,7 +1149,7 @@
           <p:cNvPr id="5" name="Segnaposto piè di pagina 4">
             <a:extLst>
               <a:ext uri="{FF2B5EF4-FFF2-40B4-BE49-F238E27FC236}">
-                <a16:creationId xmlns:a16="http://schemas.microsoft.com/office/drawing/2014/main" id="{9A805F7A-8574-F2E0-7588-9BFDDD225800}"/>
+                <a16:creationId xmlns:a16="http://schemas.microsoft.com/office/drawing/2014/main" id="{EADDD3A5-2DA3-04AE-5B22-FD97C96D837A}"/>
               </a:ext>
             </a:extLst>
           </p:cNvPr>
@@ -1174,7 +1174,7 @@
           <p:cNvPr id="6" name="Segnaposto numero diapositiva 5">
             <a:extLst>
               <a:ext uri="{FF2B5EF4-FFF2-40B4-BE49-F238E27FC236}">
-                <a16:creationId xmlns:a16="http://schemas.microsoft.com/office/drawing/2014/main" id="{CAC71F79-7EB0-C40D-0EC2-F1C6ABEA62A7}"/>
+                <a16:creationId xmlns:a16="http://schemas.microsoft.com/office/drawing/2014/main" id="{2F111B5A-B5D3-350C-FBC3-D87D4736269C}"/>
               </a:ext>
             </a:extLst>
           </p:cNvPr>
@@ -1190,7 +1190,7 @@
           <a:bodyPr/>
           <a:lstStyle/>
           <a:p>
-            <a:fld id="{3D337251-BDAC-4C2A-A50F-1C9D70009F78}" type="slidenum">
+            <a:fld id="{D5960013-E842-424F-A943-58D928E9A684}" type="slidenum">
               <a:rPr lang="it-IT" smtClean="0"/>
               <a:t>‹N›</a:t>
             </a:fld>
@@ -1201,7 +1201,7 @@
     </p:spTree>
     <p:extLst>
       <p:ext uri="{BB962C8B-B14F-4D97-AF65-F5344CB8AC3E}">
-        <p14:creationId xmlns:p14="http://schemas.microsoft.com/office/powerpoint/2010/main" val="21497016"/>
+        <p14:creationId xmlns:p14="http://schemas.microsoft.com/office/powerpoint/2010/main" val="1840017564"/>
       </p:ext>
     </p:extLst>
   </p:cSld>
@@ -1233,7 +1233,7 @@
           <p:cNvPr id="2" name="Titolo 1">
             <a:extLst>
               <a:ext uri="{FF2B5EF4-FFF2-40B4-BE49-F238E27FC236}">
-                <a16:creationId xmlns:a16="http://schemas.microsoft.com/office/drawing/2014/main" id="{F8F4CC0A-464B-F42C-2981-E5E3C04B280E}"/>
+                <a16:creationId xmlns:a16="http://schemas.microsoft.com/office/drawing/2014/main" id="{90B4B608-8111-E14F-21B4-C391C104E9C4}"/>
               </a:ext>
             </a:extLst>
           </p:cNvPr>
@@ -1261,7 +1261,7 @@
           <p:cNvPr id="3" name="Segnaposto contenuto 2">
             <a:extLst>
               <a:ext uri="{FF2B5EF4-FFF2-40B4-BE49-F238E27FC236}">
-                <a16:creationId xmlns:a16="http://schemas.microsoft.com/office/drawing/2014/main" id="{B59B07EE-B552-CD2B-059E-9F6802CAEEB9}"/>
+                <a16:creationId xmlns:a16="http://schemas.microsoft.com/office/drawing/2014/main" id="{DEDE8848-3EA3-60AD-B822-B643ACF71359}"/>
               </a:ext>
             </a:extLst>
           </p:cNvPr>
@@ -1323,7 +1323,7 @@
           <p:cNvPr id="4" name="Segnaposto contenuto 3">
             <a:extLst>
               <a:ext uri="{FF2B5EF4-FFF2-40B4-BE49-F238E27FC236}">
-                <a16:creationId xmlns:a16="http://schemas.microsoft.com/office/drawing/2014/main" id="{32AF6100-3F74-CBF2-3A01-D370A3B3E54F}"/>
+                <a16:creationId xmlns:a16="http://schemas.microsoft.com/office/drawing/2014/main" id="{9FBB2713-EF9C-533C-F8A6-CE1CC19604CC}"/>
               </a:ext>
             </a:extLst>
           </p:cNvPr>
@@ -1385,7 +1385,7 @@
           <p:cNvPr id="5" name="Segnaposto data 4">
             <a:extLst>
               <a:ext uri="{FF2B5EF4-FFF2-40B4-BE49-F238E27FC236}">
-                <a16:creationId xmlns:a16="http://schemas.microsoft.com/office/drawing/2014/main" id="{248A4E8F-FE47-29D9-886B-E380D7B87A95}"/>
+                <a16:creationId xmlns:a16="http://schemas.microsoft.com/office/drawing/2014/main" id="{FEA6D9E8-60CE-0543-89E9-C84855B5E6D1}"/>
               </a:ext>
             </a:extLst>
           </p:cNvPr>
@@ -1401,9 +1401,9 @@
           <a:bodyPr/>
           <a:lstStyle/>
           <a:p>
-            <a:fld id="{CED95E0A-A51C-457C-8A9F-5CFC582E428A}" type="datetimeFigureOut">
+            <a:fld id="{88C687E7-504C-463E-A938-E97E3F497B8F}" type="datetimeFigureOut">
               <a:rPr lang="it-IT" smtClean="0"/>
-              <a:t>20/02/2023</a:t>
+              <a:t>24/05/2023</a:t>
             </a:fld>
             <a:endParaRPr lang="it-IT"/>
           </a:p>
@@ -1414,7 +1414,7 @@
           <p:cNvPr id="6" name="Segnaposto piè di pagina 5">
             <a:extLst>
               <a:ext uri="{FF2B5EF4-FFF2-40B4-BE49-F238E27FC236}">
-                <a16:creationId xmlns:a16="http://schemas.microsoft.com/office/drawing/2014/main" id="{F035B280-DBA2-AAC9-AD53-81D7A64A13BA}"/>
+                <a16:creationId xmlns:a16="http://schemas.microsoft.com/office/drawing/2014/main" id="{58238142-7FE2-A424-10E9-F82D3EA793D5}"/>
               </a:ext>
             </a:extLst>
           </p:cNvPr>
@@ -1439,7 +1439,7 @@
           <p:cNvPr id="7" name="Segnaposto numero diapositiva 6">
             <a:extLst>
               <a:ext uri="{FF2B5EF4-FFF2-40B4-BE49-F238E27FC236}">
-                <a16:creationId xmlns:a16="http://schemas.microsoft.com/office/drawing/2014/main" id="{F7EC0462-96E7-C90F-17BB-84E459251988}"/>
+                <a16:creationId xmlns:a16="http://schemas.microsoft.com/office/drawing/2014/main" id="{5867BC7D-4002-6EF5-6B40-B47A13C81B74}"/>
               </a:ext>
             </a:extLst>
           </p:cNvPr>
@@ -1455,7 +1455,7 @@
           <a:bodyPr/>
           <a:lstStyle/>
           <a:p>
-            <a:fld id="{3D337251-BDAC-4C2A-A50F-1C9D70009F78}" type="slidenum">
+            <a:fld id="{D5960013-E842-424F-A943-58D928E9A684}" type="slidenum">
               <a:rPr lang="it-IT" smtClean="0"/>
               <a:t>‹N›</a:t>
             </a:fld>
@@ -1466,7 +1466,7 @@
     </p:spTree>
     <p:extLst>
       <p:ext uri="{BB962C8B-B14F-4D97-AF65-F5344CB8AC3E}">
-        <p14:creationId xmlns:p14="http://schemas.microsoft.com/office/powerpoint/2010/main" val="2474962023"/>
+        <p14:creationId xmlns:p14="http://schemas.microsoft.com/office/powerpoint/2010/main" val="2690311549"/>
       </p:ext>
     </p:extLst>
   </p:cSld>
@@ -1498,7 +1498,7 @@
           <p:cNvPr id="2" name="Titolo 1">
             <a:extLst>
               <a:ext uri="{FF2B5EF4-FFF2-40B4-BE49-F238E27FC236}">
-                <a16:creationId xmlns:a16="http://schemas.microsoft.com/office/drawing/2014/main" id="{9ACE82C9-7C28-BFDF-7D74-12D3210DB3EE}"/>
+                <a16:creationId xmlns:a16="http://schemas.microsoft.com/office/drawing/2014/main" id="{8D56D012-C97D-CAE1-C49D-4B0E89BD808D}"/>
               </a:ext>
             </a:extLst>
           </p:cNvPr>
@@ -1531,7 +1531,7 @@
           <p:cNvPr id="3" name="Segnaposto testo 2">
             <a:extLst>
               <a:ext uri="{FF2B5EF4-FFF2-40B4-BE49-F238E27FC236}">
-                <a16:creationId xmlns:a16="http://schemas.microsoft.com/office/drawing/2014/main" id="{B51590D1-0C7E-6D55-94B7-48BBFDAFA86A}"/>
+                <a16:creationId xmlns:a16="http://schemas.microsoft.com/office/drawing/2014/main" id="{B960C50F-B57D-088F-2242-54C35E82D37A}"/>
               </a:ext>
             </a:extLst>
           </p:cNvPr>
@@ -1602,7 +1602,7 @@
           <p:cNvPr id="4" name="Segnaposto contenuto 3">
             <a:extLst>
               <a:ext uri="{FF2B5EF4-FFF2-40B4-BE49-F238E27FC236}">
-                <a16:creationId xmlns:a16="http://schemas.microsoft.com/office/drawing/2014/main" id="{4449850B-3F87-01F0-45A6-00AF94DE76A6}"/>
+                <a16:creationId xmlns:a16="http://schemas.microsoft.com/office/drawing/2014/main" id="{74F15D8A-842E-992B-3FAC-CFB7E3F8B1CA}"/>
               </a:ext>
             </a:extLst>
           </p:cNvPr>
@@ -1664,7 +1664,7 @@
           <p:cNvPr id="5" name="Segnaposto testo 4">
             <a:extLst>
               <a:ext uri="{FF2B5EF4-FFF2-40B4-BE49-F238E27FC236}">
-                <a16:creationId xmlns:a16="http://schemas.microsoft.com/office/drawing/2014/main" id="{F264D50D-CE02-C078-CB41-027802891939}"/>
+                <a16:creationId xmlns:a16="http://schemas.microsoft.com/office/drawing/2014/main" id="{E529D56D-F8AD-81AD-FE49-104FD851E37D}"/>
               </a:ext>
             </a:extLst>
           </p:cNvPr>
@@ -1735,7 +1735,7 @@
           <p:cNvPr id="6" name="Segnaposto contenuto 5">
             <a:extLst>
               <a:ext uri="{FF2B5EF4-FFF2-40B4-BE49-F238E27FC236}">
-                <a16:creationId xmlns:a16="http://schemas.microsoft.com/office/drawing/2014/main" id="{B7E73526-67E1-67D3-F1C9-9306B844DCA0}"/>
+                <a16:creationId xmlns:a16="http://schemas.microsoft.com/office/drawing/2014/main" id="{8AC6E5EB-5CE6-B028-7825-12238C897905}"/>
               </a:ext>
             </a:extLst>
           </p:cNvPr>
@@ -1797,7 +1797,7 @@
           <p:cNvPr id="7" name="Segnaposto data 6">
             <a:extLst>
               <a:ext uri="{FF2B5EF4-FFF2-40B4-BE49-F238E27FC236}">
-                <a16:creationId xmlns:a16="http://schemas.microsoft.com/office/drawing/2014/main" id="{5E32A148-6F83-EF92-576C-2594989B869E}"/>
+                <a16:creationId xmlns:a16="http://schemas.microsoft.com/office/drawing/2014/main" id="{64678E66-79ED-2C0A-76E6-A226295C2A80}"/>
               </a:ext>
             </a:extLst>
           </p:cNvPr>
@@ -1813,9 +1813,9 @@
           <a:bodyPr/>
           <a:lstStyle/>
           <a:p>
-            <a:fld id="{CED95E0A-A51C-457C-8A9F-5CFC582E428A}" type="datetimeFigureOut">
+            <a:fld id="{88C687E7-504C-463E-A938-E97E3F497B8F}" type="datetimeFigureOut">
               <a:rPr lang="it-IT" smtClean="0"/>
-              <a:t>20/02/2023</a:t>
+              <a:t>24/05/2023</a:t>
             </a:fld>
             <a:endParaRPr lang="it-IT"/>
           </a:p>
@@ -1826,7 +1826,7 @@
           <p:cNvPr id="8" name="Segnaposto piè di pagina 7">
             <a:extLst>
               <a:ext uri="{FF2B5EF4-FFF2-40B4-BE49-F238E27FC236}">
-                <a16:creationId xmlns:a16="http://schemas.microsoft.com/office/drawing/2014/main" id="{31365ADF-7C65-6E05-4A93-EB0833B27E4E}"/>
+                <a16:creationId xmlns:a16="http://schemas.microsoft.com/office/drawing/2014/main" id="{603BF1BA-CAEC-DC3F-8198-826AA147E9E3}"/>
               </a:ext>
             </a:extLst>
           </p:cNvPr>
@@ -1851,7 +1851,7 @@
           <p:cNvPr id="9" name="Segnaposto numero diapositiva 8">
             <a:extLst>
               <a:ext uri="{FF2B5EF4-FFF2-40B4-BE49-F238E27FC236}">
-                <a16:creationId xmlns:a16="http://schemas.microsoft.com/office/drawing/2014/main" id="{0E5E8064-3D61-3CE5-C67A-A367F50E47B7}"/>
+                <a16:creationId xmlns:a16="http://schemas.microsoft.com/office/drawing/2014/main" id="{A9F78105-EF70-0C03-D68E-FBDCE2CEA0CF}"/>
               </a:ext>
             </a:extLst>
           </p:cNvPr>
@@ -1867,7 +1867,7 @@
           <a:bodyPr/>
           <a:lstStyle/>
           <a:p>
-            <a:fld id="{3D337251-BDAC-4C2A-A50F-1C9D70009F78}" type="slidenum">
+            <a:fld id="{D5960013-E842-424F-A943-58D928E9A684}" type="slidenum">
               <a:rPr lang="it-IT" smtClean="0"/>
               <a:t>‹N›</a:t>
             </a:fld>
@@ -1878,7 +1878,7 @@
     </p:spTree>
     <p:extLst>
       <p:ext uri="{BB962C8B-B14F-4D97-AF65-F5344CB8AC3E}">
-        <p14:creationId xmlns:p14="http://schemas.microsoft.com/office/powerpoint/2010/main" val="601891962"/>
+        <p14:creationId xmlns:p14="http://schemas.microsoft.com/office/powerpoint/2010/main" val="2555083494"/>
       </p:ext>
     </p:extLst>
   </p:cSld>
@@ -1910,7 +1910,7 @@
           <p:cNvPr id="2" name="Titolo 1">
             <a:extLst>
               <a:ext uri="{FF2B5EF4-FFF2-40B4-BE49-F238E27FC236}">
-                <a16:creationId xmlns:a16="http://schemas.microsoft.com/office/drawing/2014/main" id="{73753E9C-B130-5C01-8B3D-CB0571CC5616}"/>
+                <a16:creationId xmlns:a16="http://schemas.microsoft.com/office/drawing/2014/main" id="{F2EC435C-AF7B-E365-4171-0AC311E60498}"/>
               </a:ext>
             </a:extLst>
           </p:cNvPr>
@@ -1938,7 +1938,7 @@
           <p:cNvPr id="3" name="Segnaposto data 2">
             <a:extLst>
               <a:ext uri="{FF2B5EF4-FFF2-40B4-BE49-F238E27FC236}">
-                <a16:creationId xmlns:a16="http://schemas.microsoft.com/office/drawing/2014/main" id="{30B59CFB-D26A-F6AD-6F2E-491D1512E431}"/>
+                <a16:creationId xmlns:a16="http://schemas.microsoft.com/office/drawing/2014/main" id="{1F569130-5B37-529E-770A-A825CF515CA8}"/>
               </a:ext>
             </a:extLst>
           </p:cNvPr>
@@ -1954,9 +1954,9 @@
           <a:bodyPr/>
           <a:lstStyle/>
           <a:p>
-            <a:fld id="{CED95E0A-A51C-457C-8A9F-5CFC582E428A}" type="datetimeFigureOut">
+            <a:fld id="{88C687E7-504C-463E-A938-E97E3F497B8F}" type="datetimeFigureOut">
               <a:rPr lang="it-IT" smtClean="0"/>
-              <a:t>20/02/2023</a:t>
+              <a:t>24/05/2023</a:t>
             </a:fld>
             <a:endParaRPr lang="it-IT"/>
           </a:p>
@@ -1967,7 +1967,7 @@
           <p:cNvPr id="4" name="Segnaposto piè di pagina 3">
             <a:extLst>
               <a:ext uri="{FF2B5EF4-FFF2-40B4-BE49-F238E27FC236}">
-                <a16:creationId xmlns:a16="http://schemas.microsoft.com/office/drawing/2014/main" id="{6FE443EE-EEC6-8933-6B96-4A4395D3A0E9}"/>
+                <a16:creationId xmlns:a16="http://schemas.microsoft.com/office/drawing/2014/main" id="{1D6BF4EC-EAC8-D831-5600-A459B44132AF}"/>
               </a:ext>
             </a:extLst>
           </p:cNvPr>
@@ -1992,7 +1992,7 @@
           <p:cNvPr id="5" name="Segnaposto numero diapositiva 4">
             <a:extLst>
               <a:ext uri="{FF2B5EF4-FFF2-40B4-BE49-F238E27FC236}">
-                <a16:creationId xmlns:a16="http://schemas.microsoft.com/office/drawing/2014/main" id="{5F928940-F882-FCE8-A322-3466D7174494}"/>
+                <a16:creationId xmlns:a16="http://schemas.microsoft.com/office/drawing/2014/main" id="{C76377D5-90BF-83DA-5F2E-A1D6143F5D44}"/>
               </a:ext>
             </a:extLst>
           </p:cNvPr>
@@ -2008,7 +2008,7 @@
           <a:bodyPr/>
           <a:lstStyle/>
           <a:p>
-            <a:fld id="{3D337251-BDAC-4C2A-A50F-1C9D70009F78}" type="slidenum">
+            <a:fld id="{D5960013-E842-424F-A943-58D928E9A684}" type="slidenum">
               <a:rPr lang="it-IT" smtClean="0"/>
               <a:t>‹N›</a:t>
             </a:fld>
@@ -2019,7 +2019,7 @@
     </p:spTree>
     <p:extLst>
       <p:ext uri="{BB962C8B-B14F-4D97-AF65-F5344CB8AC3E}">
-        <p14:creationId xmlns:p14="http://schemas.microsoft.com/office/powerpoint/2010/main" val="1026651659"/>
+        <p14:creationId xmlns:p14="http://schemas.microsoft.com/office/powerpoint/2010/main" val="1364251033"/>
       </p:ext>
     </p:extLst>
   </p:cSld>
@@ -2051,7 +2051,7 @@
           <p:cNvPr id="2" name="Segnaposto data 1">
             <a:extLst>
               <a:ext uri="{FF2B5EF4-FFF2-40B4-BE49-F238E27FC236}">
-                <a16:creationId xmlns:a16="http://schemas.microsoft.com/office/drawing/2014/main" id="{D043A6FF-C24A-B885-F632-4CF6F383EA42}"/>
+                <a16:creationId xmlns:a16="http://schemas.microsoft.com/office/drawing/2014/main" id="{03CF5C23-1B24-53DE-8D83-3C413C7E1913}"/>
               </a:ext>
             </a:extLst>
           </p:cNvPr>
@@ -2067,9 +2067,9 @@
           <a:bodyPr/>
           <a:lstStyle/>
           <a:p>
-            <a:fld id="{CED95E0A-A51C-457C-8A9F-5CFC582E428A}" type="datetimeFigureOut">
+            <a:fld id="{88C687E7-504C-463E-A938-E97E3F497B8F}" type="datetimeFigureOut">
               <a:rPr lang="it-IT" smtClean="0"/>
-              <a:t>20/02/2023</a:t>
+              <a:t>24/05/2023</a:t>
             </a:fld>
             <a:endParaRPr lang="it-IT"/>
           </a:p>
@@ -2080,7 +2080,7 @@
           <p:cNvPr id="3" name="Segnaposto piè di pagina 2">
             <a:extLst>
               <a:ext uri="{FF2B5EF4-FFF2-40B4-BE49-F238E27FC236}">
-                <a16:creationId xmlns:a16="http://schemas.microsoft.com/office/drawing/2014/main" id="{A5A17BB2-5D77-83C3-3346-18B4A813FF7B}"/>
+                <a16:creationId xmlns:a16="http://schemas.microsoft.com/office/drawing/2014/main" id="{2D881BEE-AFB8-66D0-D9EF-7477EB53ECD3}"/>
               </a:ext>
             </a:extLst>
           </p:cNvPr>
@@ -2105,7 +2105,7 @@
           <p:cNvPr id="4" name="Segnaposto numero diapositiva 3">
             <a:extLst>
               <a:ext uri="{FF2B5EF4-FFF2-40B4-BE49-F238E27FC236}">
-                <a16:creationId xmlns:a16="http://schemas.microsoft.com/office/drawing/2014/main" id="{27CD0EC1-9CF6-02A0-6B4D-40844B51E985}"/>
+                <a16:creationId xmlns:a16="http://schemas.microsoft.com/office/drawing/2014/main" id="{6C8B9029-52C4-64C1-6605-8F2807037517}"/>
               </a:ext>
             </a:extLst>
           </p:cNvPr>
@@ -2121,7 +2121,7 @@
           <a:bodyPr/>
           <a:lstStyle/>
           <a:p>
-            <a:fld id="{3D337251-BDAC-4C2A-A50F-1C9D70009F78}" type="slidenum">
+            <a:fld id="{D5960013-E842-424F-A943-58D928E9A684}" type="slidenum">
               <a:rPr lang="it-IT" smtClean="0"/>
               <a:t>‹N›</a:t>
             </a:fld>
@@ -2132,7 +2132,7 @@
     </p:spTree>
     <p:extLst>
       <p:ext uri="{BB962C8B-B14F-4D97-AF65-F5344CB8AC3E}">
-        <p14:creationId xmlns:p14="http://schemas.microsoft.com/office/powerpoint/2010/main" val="1916254652"/>
+        <p14:creationId xmlns:p14="http://schemas.microsoft.com/office/powerpoint/2010/main" val="2591301381"/>
       </p:ext>
     </p:extLst>
   </p:cSld>
@@ -2164,7 +2164,7 @@
           <p:cNvPr id="2" name="Titolo 1">
             <a:extLst>
               <a:ext uri="{FF2B5EF4-FFF2-40B4-BE49-F238E27FC236}">
-                <a16:creationId xmlns:a16="http://schemas.microsoft.com/office/drawing/2014/main" id="{DD271EAE-CBD5-27BE-8C59-8267160F8636}"/>
+                <a16:creationId xmlns:a16="http://schemas.microsoft.com/office/drawing/2014/main" id="{EF64EA2C-4AF9-0D34-5E1D-1B09FC779C5E}"/>
               </a:ext>
             </a:extLst>
           </p:cNvPr>
@@ -2201,7 +2201,7 @@
           <p:cNvPr id="3" name="Segnaposto contenuto 2">
             <a:extLst>
               <a:ext uri="{FF2B5EF4-FFF2-40B4-BE49-F238E27FC236}">
-                <a16:creationId xmlns:a16="http://schemas.microsoft.com/office/drawing/2014/main" id="{0A157726-210F-5190-1D21-E03A99239729}"/>
+                <a16:creationId xmlns:a16="http://schemas.microsoft.com/office/drawing/2014/main" id="{CD5CD247-BCE4-FBC9-0ADD-08A060777FD6}"/>
               </a:ext>
             </a:extLst>
           </p:cNvPr>
@@ -2291,7 +2291,7 @@
           <p:cNvPr id="4" name="Segnaposto testo 3">
             <a:extLst>
               <a:ext uri="{FF2B5EF4-FFF2-40B4-BE49-F238E27FC236}">
-                <a16:creationId xmlns:a16="http://schemas.microsoft.com/office/drawing/2014/main" id="{1CB77B68-3EB1-9A75-4594-D58380FB0351}"/>
+                <a16:creationId xmlns:a16="http://schemas.microsoft.com/office/drawing/2014/main" id="{F2924DF1-C2C8-A640-EC08-240C285D9BA5}"/>
               </a:ext>
             </a:extLst>
           </p:cNvPr>
@@ -2362,7 +2362,7 @@
           <p:cNvPr id="5" name="Segnaposto data 4">
             <a:extLst>
               <a:ext uri="{FF2B5EF4-FFF2-40B4-BE49-F238E27FC236}">
-                <a16:creationId xmlns:a16="http://schemas.microsoft.com/office/drawing/2014/main" id="{B1FE1259-2EB2-2270-2110-AE7112AFF81E}"/>
+                <a16:creationId xmlns:a16="http://schemas.microsoft.com/office/drawing/2014/main" id="{11E6EC91-D206-30E9-38FD-B373DC02E898}"/>
               </a:ext>
             </a:extLst>
           </p:cNvPr>
@@ -2378,9 +2378,9 @@
           <a:bodyPr/>
           <a:lstStyle/>
           <a:p>
-            <a:fld id="{CED95E0A-A51C-457C-8A9F-5CFC582E428A}" type="datetimeFigureOut">
+            <a:fld id="{88C687E7-504C-463E-A938-E97E3F497B8F}" type="datetimeFigureOut">
               <a:rPr lang="it-IT" smtClean="0"/>
-              <a:t>20/02/2023</a:t>
+              <a:t>24/05/2023</a:t>
             </a:fld>
             <a:endParaRPr lang="it-IT"/>
           </a:p>
@@ -2391,7 +2391,7 @@
           <p:cNvPr id="6" name="Segnaposto piè di pagina 5">
             <a:extLst>
               <a:ext uri="{FF2B5EF4-FFF2-40B4-BE49-F238E27FC236}">
-                <a16:creationId xmlns:a16="http://schemas.microsoft.com/office/drawing/2014/main" id="{ED70F50B-34A3-8E5C-99A9-44488C572D8C}"/>
+                <a16:creationId xmlns:a16="http://schemas.microsoft.com/office/drawing/2014/main" id="{ED43BA33-AFA0-D05C-8F87-0155CA220243}"/>
               </a:ext>
             </a:extLst>
           </p:cNvPr>
@@ -2416,7 +2416,7 @@
           <p:cNvPr id="7" name="Segnaposto numero diapositiva 6">
             <a:extLst>
               <a:ext uri="{FF2B5EF4-FFF2-40B4-BE49-F238E27FC236}">
-                <a16:creationId xmlns:a16="http://schemas.microsoft.com/office/drawing/2014/main" id="{61B0E566-4AC2-987B-9608-7BECC7F95E7C}"/>
+                <a16:creationId xmlns:a16="http://schemas.microsoft.com/office/drawing/2014/main" id="{B02F3653-99E7-E177-B107-BCD80E7434D9}"/>
               </a:ext>
             </a:extLst>
           </p:cNvPr>
@@ -2432,7 +2432,7 @@
           <a:bodyPr/>
           <a:lstStyle/>
           <a:p>
-            <a:fld id="{3D337251-BDAC-4C2A-A50F-1C9D70009F78}" type="slidenum">
+            <a:fld id="{D5960013-E842-424F-A943-58D928E9A684}" type="slidenum">
               <a:rPr lang="it-IT" smtClean="0"/>
               <a:t>‹N›</a:t>
             </a:fld>
@@ -2443,7 +2443,7 @@
     </p:spTree>
     <p:extLst>
       <p:ext uri="{BB962C8B-B14F-4D97-AF65-F5344CB8AC3E}">
-        <p14:creationId xmlns:p14="http://schemas.microsoft.com/office/powerpoint/2010/main" val="1194764218"/>
+        <p14:creationId xmlns:p14="http://schemas.microsoft.com/office/powerpoint/2010/main" val="243128166"/>
       </p:ext>
     </p:extLst>
   </p:cSld>
@@ -2475,7 +2475,7 @@
           <p:cNvPr id="2" name="Titolo 1">
             <a:extLst>
               <a:ext uri="{FF2B5EF4-FFF2-40B4-BE49-F238E27FC236}">
-                <a16:creationId xmlns:a16="http://schemas.microsoft.com/office/drawing/2014/main" id="{138D7A81-909D-A23C-5863-026372B89475}"/>
+                <a16:creationId xmlns:a16="http://schemas.microsoft.com/office/drawing/2014/main" id="{7D64BA21-0A26-9B65-03C8-E49362B3D8C8}"/>
               </a:ext>
             </a:extLst>
           </p:cNvPr>
@@ -2512,7 +2512,7 @@
           <p:cNvPr id="3" name="Segnaposto immagine 2">
             <a:extLst>
               <a:ext uri="{FF2B5EF4-FFF2-40B4-BE49-F238E27FC236}">
-                <a16:creationId xmlns:a16="http://schemas.microsoft.com/office/drawing/2014/main" id="{1EFA6F13-B9C7-E38C-F3B7-1A8672C9E9C8}"/>
+                <a16:creationId xmlns:a16="http://schemas.microsoft.com/office/drawing/2014/main" id="{48791FA8-CA7B-1B6A-033C-B6ECF8FFA804}"/>
               </a:ext>
             </a:extLst>
           </p:cNvPr>
@@ -2579,7 +2579,7 @@
           <p:cNvPr id="4" name="Segnaposto testo 3">
             <a:extLst>
               <a:ext uri="{FF2B5EF4-FFF2-40B4-BE49-F238E27FC236}">
-                <a16:creationId xmlns:a16="http://schemas.microsoft.com/office/drawing/2014/main" id="{000063DF-0090-3C05-5B6F-B1EAA899A791}"/>
+                <a16:creationId xmlns:a16="http://schemas.microsoft.com/office/drawing/2014/main" id="{53DBD494-FA14-3552-75A8-A869352C4E89}"/>
               </a:ext>
             </a:extLst>
           </p:cNvPr>
@@ -2650,7 +2650,7 @@
           <p:cNvPr id="5" name="Segnaposto data 4">
             <a:extLst>
               <a:ext uri="{FF2B5EF4-FFF2-40B4-BE49-F238E27FC236}">
-                <a16:creationId xmlns:a16="http://schemas.microsoft.com/office/drawing/2014/main" id="{D4E2FC07-9370-D2E1-6AB8-84C9837CD036}"/>
+                <a16:creationId xmlns:a16="http://schemas.microsoft.com/office/drawing/2014/main" id="{55175B07-E78C-C4BC-879E-151EE1AFD9F0}"/>
               </a:ext>
             </a:extLst>
           </p:cNvPr>
@@ -2666,9 +2666,9 @@
           <a:bodyPr/>
           <a:lstStyle/>
           <a:p>
-            <a:fld id="{CED95E0A-A51C-457C-8A9F-5CFC582E428A}" type="datetimeFigureOut">
+            <a:fld id="{88C687E7-504C-463E-A938-E97E3F497B8F}" type="datetimeFigureOut">
               <a:rPr lang="it-IT" smtClean="0"/>
-              <a:t>20/02/2023</a:t>
+              <a:t>24/05/2023</a:t>
             </a:fld>
             <a:endParaRPr lang="it-IT"/>
           </a:p>
@@ -2679,7 +2679,7 @@
           <p:cNvPr id="6" name="Segnaposto piè di pagina 5">
             <a:extLst>
               <a:ext uri="{FF2B5EF4-FFF2-40B4-BE49-F238E27FC236}">
-                <a16:creationId xmlns:a16="http://schemas.microsoft.com/office/drawing/2014/main" id="{AB1E90E2-352C-093E-49A0-7A11433119F0}"/>
+                <a16:creationId xmlns:a16="http://schemas.microsoft.com/office/drawing/2014/main" id="{35344280-ED87-0D2A-D7D2-CB5E7DB0A5F4}"/>
               </a:ext>
             </a:extLst>
           </p:cNvPr>
@@ -2704,7 +2704,7 @@
           <p:cNvPr id="7" name="Segnaposto numero diapositiva 6">
             <a:extLst>
               <a:ext uri="{FF2B5EF4-FFF2-40B4-BE49-F238E27FC236}">
-                <a16:creationId xmlns:a16="http://schemas.microsoft.com/office/drawing/2014/main" id="{EEBF1468-F77D-6960-9F53-E0D50C88B980}"/>
+                <a16:creationId xmlns:a16="http://schemas.microsoft.com/office/drawing/2014/main" id="{7E730B87-F211-2F16-6BD3-15360EA44201}"/>
               </a:ext>
             </a:extLst>
           </p:cNvPr>
@@ -2720,7 +2720,7 @@
           <a:bodyPr/>
           <a:lstStyle/>
           <a:p>
-            <a:fld id="{3D337251-BDAC-4C2A-A50F-1C9D70009F78}" type="slidenum">
+            <a:fld id="{D5960013-E842-424F-A943-58D928E9A684}" type="slidenum">
               <a:rPr lang="it-IT" smtClean="0"/>
               <a:t>‹N›</a:t>
             </a:fld>
@@ -2731,7 +2731,7 @@
     </p:spTree>
     <p:extLst>
       <p:ext uri="{BB962C8B-B14F-4D97-AF65-F5344CB8AC3E}">
-        <p14:creationId xmlns:p14="http://schemas.microsoft.com/office/powerpoint/2010/main" val="3641995426"/>
+        <p14:creationId xmlns:p14="http://schemas.microsoft.com/office/powerpoint/2010/main" val="4181146833"/>
       </p:ext>
     </p:extLst>
   </p:cSld>
@@ -2745,9 +2745,12 @@
 <p:sldMaster xmlns:a="http://schemas.openxmlformats.org/drawingml/2006/main" xmlns:r="http://schemas.openxmlformats.org/officeDocument/2006/relationships" xmlns:p="http://schemas.openxmlformats.org/presentationml/2006/main">
   <p:cSld>
     <p:bg>
-      <p:bgRef idx="1001">
-        <a:schemeClr val="bg1"/>
-      </p:bgRef>
+      <p:bgPr>
+        <a:solidFill>
+          <a:schemeClr val="bg1"/>
+        </a:solidFill>
+        <a:effectLst/>
+      </p:bgPr>
     </p:bg>
     <p:spTree>
       <p:nvGrpSpPr>
@@ -2768,7 +2771,7 @@
           <p:cNvPr id="2" name="Segnaposto titolo 1">
             <a:extLst>
               <a:ext uri="{FF2B5EF4-FFF2-40B4-BE49-F238E27FC236}">
-                <a16:creationId xmlns:a16="http://schemas.microsoft.com/office/drawing/2014/main" id="{6E2207ED-C671-869E-42CC-85853750CF96}"/>
+                <a16:creationId xmlns:a16="http://schemas.microsoft.com/office/drawing/2014/main" id="{EEAAD47E-D725-9686-51AC-DB18B26D5C33}"/>
               </a:ext>
             </a:extLst>
           </p:cNvPr>
@@ -2806,7 +2809,7 @@
           <p:cNvPr id="3" name="Segnaposto testo 2">
             <a:extLst>
               <a:ext uri="{FF2B5EF4-FFF2-40B4-BE49-F238E27FC236}">
-                <a16:creationId xmlns:a16="http://schemas.microsoft.com/office/drawing/2014/main" id="{3AC7801C-27B3-8763-48C6-3B19BEE12F4A}"/>
+                <a16:creationId xmlns:a16="http://schemas.microsoft.com/office/drawing/2014/main" id="{E0C54AB9-D341-9CFE-8C7A-7B602601347B}"/>
               </a:ext>
             </a:extLst>
           </p:cNvPr>
@@ -2873,7 +2876,7 @@
           <p:cNvPr id="4" name="Segnaposto data 3">
             <a:extLst>
               <a:ext uri="{FF2B5EF4-FFF2-40B4-BE49-F238E27FC236}">
-                <a16:creationId xmlns:a16="http://schemas.microsoft.com/office/drawing/2014/main" id="{002FF2E7-AD40-DA08-C430-87685D75D45C}"/>
+                <a16:creationId xmlns:a16="http://schemas.microsoft.com/office/drawing/2014/main" id="{21201E81-EABF-2A6D-FE34-279A40CC999E}"/>
               </a:ext>
             </a:extLst>
           </p:cNvPr>
@@ -2907,9 +2910,9 @@
             </a:lvl1pPr>
           </a:lstStyle>
           <a:p>
-            <a:fld id="{CED95E0A-A51C-457C-8A9F-5CFC582E428A}" type="datetimeFigureOut">
+            <a:fld id="{88C687E7-504C-463E-A938-E97E3F497B8F}" type="datetimeFigureOut">
               <a:rPr lang="it-IT" smtClean="0"/>
-              <a:t>20/02/2023</a:t>
+              <a:t>24/05/2023</a:t>
             </a:fld>
             <a:endParaRPr lang="it-IT"/>
           </a:p>
@@ -2920,7 +2923,7 @@
           <p:cNvPr id="5" name="Segnaposto piè di pagina 4">
             <a:extLst>
               <a:ext uri="{FF2B5EF4-FFF2-40B4-BE49-F238E27FC236}">
-                <a16:creationId xmlns:a16="http://schemas.microsoft.com/office/drawing/2014/main" id="{44C2AB01-5BCB-3460-BB3B-7F0407A43096}"/>
+                <a16:creationId xmlns:a16="http://schemas.microsoft.com/office/drawing/2014/main" id="{650C0C69-9C6D-DFEA-ABC2-875564381569}"/>
               </a:ext>
             </a:extLst>
           </p:cNvPr>
@@ -2963,7 +2966,7 @@
           <p:cNvPr id="6" name="Segnaposto numero diapositiva 5">
             <a:extLst>
               <a:ext uri="{FF2B5EF4-FFF2-40B4-BE49-F238E27FC236}">
-                <a16:creationId xmlns:a16="http://schemas.microsoft.com/office/drawing/2014/main" id="{F1AF443E-C785-D483-642D-97A6EEEF5AB9}"/>
+                <a16:creationId xmlns:a16="http://schemas.microsoft.com/office/drawing/2014/main" id="{E95F71F3-A2F2-14D4-0843-C13BA4BEB577}"/>
               </a:ext>
             </a:extLst>
           </p:cNvPr>
@@ -2997,7 +3000,7 @@
             </a:lvl1pPr>
           </a:lstStyle>
           <a:p>
-            <a:fld id="{3D337251-BDAC-4C2A-A50F-1C9D70009F78}" type="slidenum">
+            <a:fld id="{D5960013-E842-424F-A943-58D928E9A684}" type="slidenum">
               <a:rPr lang="it-IT" smtClean="0"/>
               <a:t>‹N›</a:t>
             </a:fld>
@@ -3008,7 +3011,7 @@
     </p:spTree>
     <p:extLst>
       <p:ext uri="{BB962C8B-B14F-4D97-AF65-F5344CB8AC3E}">
-        <p14:creationId xmlns:p14="http://schemas.microsoft.com/office/powerpoint/2010/main" val="3071519198"/>
+        <p14:creationId xmlns:p14="http://schemas.microsoft.com/office/powerpoint/2010/main" val="479760808"/>
       </p:ext>
     </p:extLst>
   </p:cSld>
@@ -3312,14 +3315,6 @@
 <file path=ppt/slides/slide1.xml><?xml version="1.0" encoding="utf-8"?>
 <p:sld xmlns:a="http://schemas.openxmlformats.org/drawingml/2006/main" xmlns:r="http://schemas.openxmlformats.org/officeDocument/2006/relationships" xmlns:p="http://schemas.openxmlformats.org/presentationml/2006/main">
   <p:cSld>
-    <p:bg>
-      <p:bgPr>
-        <a:solidFill>
-          <a:schemeClr val="bg1"/>
-        </a:solidFill>
-        <a:effectLst/>
-      </p:bgPr>
-    </p:bg>
     <p:spTree>
       <p:nvGrpSpPr>
         <p:cNvPr id="1" name=""/>
@@ -3336,10 +3331,10 @@
       </p:grpSpPr>
       <p:pic>
         <p:nvPicPr>
-          <p:cNvPr id="8" name="Immagine 7" descr="Immagine che contiene testo, monitor, elettronico, schermo&#10;&#10;Descrizione generata automaticamente">
-            <a:extLst>
-              <a:ext uri="{FF2B5EF4-FFF2-40B4-BE49-F238E27FC236}">
-                <a16:creationId xmlns:a16="http://schemas.microsoft.com/office/drawing/2014/main" id="{0556C00D-8CB5-D848-4FBB-FB0085B7F7B5}"/>
+          <p:cNvPr id="21" name="Immagine 20" descr="Immagine che contiene testo, schermata, diagramma, linea&#10;&#10;Descrizione generata automaticamente">
+            <a:extLst>
+              <a:ext uri="{FF2B5EF4-FFF2-40B4-BE49-F238E27FC236}">
+                <a16:creationId xmlns:a16="http://schemas.microsoft.com/office/drawing/2014/main" id="{5E8657D5-1C63-2EEF-3C72-8920D89C16DD}"/>
               </a:ext>
             </a:extLst>
           </p:cNvPr>
@@ -3350,13 +3345,13 @@
         </p:nvPicPr>
         <p:blipFill rotWithShape="1">
           <a:blip r:embed="rId2"/>
-          <a:srcRect l="25238" t="24845" r="40358" b="6901"/>
+          <a:srcRect l="972" t="8056" r="695" b="972"/>
           <a:stretch/>
         </p:blipFill>
         <p:spPr>
           <a:xfrm>
-            <a:off x="8296275" y="1595963"/>
-            <a:ext cx="3780778" cy="4219132"/>
+            <a:off x="19050" y="0"/>
+            <a:ext cx="6743700" cy="6858000"/>
           </a:xfrm>
           <a:prstGeom prst="rect">
             <a:avLst/>
@@ -3365,10 +3360,10 @@
       </p:pic>
       <p:pic>
         <p:nvPicPr>
-          <p:cNvPr id="12" name="Immagine 11">
-            <a:extLst>
-              <a:ext uri="{FF2B5EF4-FFF2-40B4-BE49-F238E27FC236}">
-                <a16:creationId xmlns:a16="http://schemas.microsoft.com/office/drawing/2014/main" id="{6AA02CBE-88CD-5409-11EC-F424BAA55343}"/>
+          <p:cNvPr id="19" name="Immagine 18" descr="Immagine che contiene testo, schermata, quadrato, modello&#10;&#10;Descrizione generata automaticamente">
+            <a:extLst>
+              <a:ext uri="{FF2B5EF4-FFF2-40B4-BE49-F238E27FC236}">
+                <a16:creationId xmlns:a16="http://schemas.microsoft.com/office/drawing/2014/main" id="{272ADE51-18CB-8EA3-A80A-D572B36D2F6F}"/>
               </a:ext>
             </a:extLst>
           </p:cNvPr>
@@ -3379,48 +3374,274 @@
         </p:nvPicPr>
         <p:blipFill rotWithShape="1">
           <a:blip r:embed="rId3"/>
-          <a:srcRect l="25938" t="23751" r="40781" b="6389"/>
+          <a:srcRect t="7917" r="1406" b="1111"/>
           <a:stretch/>
         </p:blipFill>
         <p:spPr>
           <a:xfrm>
-            <a:off x="4339418" y="1579073"/>
-            <a:ext cx="3601901" cy="4252912"/>
+            <a:off x="6858000" y="0"/>
+            <a:ext cx="5334000" cy="4845680"/>
           </a:xfrm>
           <a:prstGeom prst="rect">
             <a:avLst/>
           </a:prstGeom>
         </p:spPr>
       </p:pic>
+      <p:pic>
+        <p:nvPicPr>
+          <p:cNvPr id="5" name="Immagine 4">
+            <a:extLst>
+              <a:ext uri="{FF2B5EF4-FFF2-40B4-BE49-F238E27FC236}">
+                <a16:creationId xmlns:a16="http://schemas.microsoft.com/office/drawing/2014/main" id="{D75F15A2-B135-C21D-450B-1EFC394AF562}"/>
+              </a:ext>
+            </a:extLst>
+          </p:cNvPr>
+          <p:cNvPicPr>
+            <a:picLocks noChangeAspect="1"/>
+          </p:cNvPicPr>
+          <p:nvPr/>
+        </p:nvPicPr>
+        <p:blipFill>
+          <a:blip r:embed="rId4">
+            <a:extLst>
+              <a:ext uri="{28A0092B-C50C-407E-A947-70E740481C1C}">
+                <a14:useLocalDpi xmlns:a14="http://schemas.microsoft.com/office/drawing/2010/main" val="0"/>
+              </a:ext>
+            </a:extLst>
+          </a:blip>
+          <a:stretch>
+            <a:fillRect/>
+          </a:stretch>
+        </p:blipFill>
+        <p:spPr>
+          <a:xfrm>
+            <a:off x="6940382" y="4867369"/>
+            <a:ext cx="5251618" cy="1990631"/>
+          </a:xfrm>
+          <a:prstGeom prst="rect">
+            <a:avLst/>
+          </a:prstGeom>
+        </p:spPr>
+      </p:pic>
+      <p:sp>
+        <p:nvSpPr>
+          <p:cNvPr id="7" name="Rettangolo con angoli arrotondati 6">
+            <a:extLst>
+              <a:ext uri="{FF2B5EF4-FFF2-40B4-BE49-F238E27FC236}">
+                <a16:creationId xmlns:a16="http://schemas.microsoft.com/office/drawing/2014/main" id="{2077CEFA-AD82-1D0C-9B7C-6E0D549ABECF}"/>
+              </a:ext>
+            </a:extLst>
+          </p:cNvPr>
+          <p:cNvSpPr/>
+          <p:nvPr/>
+        </p:nvSpPr>
+        <p:spPr>
+          <a:xfrm>
+            <a:off x="6846386" y="4512518"/>
+            <a:ext cx="351367" cy="276225"/>
+          </a:xfrm>
+          <a:prstGeom prst="roundRect">
+            <a:avLst/>
+          </a:prstGeom>
+          <a:ln>
+            <a:solidFill>
+              <a:schemeClr val="tx1"/>
+            </a:solidFill>
+          </a:ln>
+        </p:spPr>
+        <p:style>
+          <a:lnRef idx="1">
+            <a:schemeClr val="accent4"/>
+          </a:lnRef>
+          <a:fillRef idx="2">
+            <a:schemeClr val="accent4"/>
+          </a:fillRef>
+          <a:effectRef idx="1">
+            <a:schemeClr val="accent4"/>
+          </a:effectRef>
+          <a:fontRef idx="minor">
+            <a:schemeClr val="dk1"/>
+          </a:fontRef>
+        </p:style>
+        <p:txBody>
+          <a:bodyPr rtlCol="0" anchor="ctr"/>
+          <a:lstStyle/>
+          <a:p>
+            <a:pPr algn="ctr"/>
+            <a:r>
+              <a:rPr lang="it-IT" dirty="0"/>
+              <a:t>b</a:t>
+            </a:r>
+          </a:p>
+        </p:txBody>
+      </p:sp>
+      <p:sp>
+        <p:nvSpPr>
+          <p:cNvPr id="8" name="Rettangolo con angoli arrotondati 7">
+            <a:extLst>
+              <a:ext uri="{FF2B5EF4-FFF2-40B4-BE49-F238E27FC236}">
+                <a16:creationId xmlns:a16="http://schemas.microsoft.com/office/drawing/2014/main" id="{1337B56A-6654-2A6E-7B5F-00C08EFDE58A}"/>
+              </a:ext>
+            </a:extLst>
+          </p:cNvPr>
+          <p:cNvSpPr/>
+          <p:nvPr/>
+        </p:nvSpPr>
+        <p:spPr>
+          <a:xfrm>
+            <a:off x="6858000" y="4905874"/>
+            <a:ext cx="339753" cy="262910"/>
+          </a:xfrm>
+          <a:prstGeom prst="roundRect">
+            <a:avLst/>
+          </a:prstGeom>
+          <a:ln>
+            <a:solidFill>
+              <a:schemeClr val="tx1"/>
+            </a:solidFill>
+          </a:ln>
+        </p:spPr>
+        <p:style>
+          <a:lnRef idx="1">
+            <a:schemeClr val="accent4"/>
+          </a:lnRef>
+          <a:fillRef idx="2">
+            <a:schemeClr val="accent4"/>
+          </a:fillRef>
+          <a:effectRef idx="1">
+            <a:schemeClr val="accent4"/>
+          </a:effectRef>
+          <a:fontRef idx="minor">
+            <a:schemeClr val="dk1"/>
+          </a:fontRef>
+        </p:style>
+        <p:txBody>
+          <a:bodyPr rtlCol="0" anchor="ctr"/>
+          <a:lstStyle/>
+          <a:p>
+            <a:pPr algn="ctr"/>
+            <a:r>
+              <a:rPr lang="it-IT" dirty="0"/>
+              <a:t>c</a:t>
+            </a:r>
+          </a:p>
+        </p:txBody>
+      </p:sp>
+      <p:sp>
+        <p:nvSpPr>
+          <p:cNvPr id="6" name="Rettangolo con angoli arrotondati 5">
+            <a:extLst>
+              <a:ext uri="{FF2B5EF4-FFF2-40B4-BE49-F238E27FC236}">
+                <a16:creationId xmlns:a16="http://schemas.microsoft.com/office/drawing/2014/main" id="{7A8B2E49-BB6C-2128-0461-2BF7E3E45699}"/>
+              </a:ext>
+            </a:extLst>
+          </p:cNvPr>
+          <p:cNvSpPr/>
+          <p:nvPr/>
+        </p:nvSpPr>
+        <p:spPr>
+          <a:xfrm>
+            <a:off x="0" y="0"/>
+            <a:ext cx="420550" cy="371311"/>
+          </a:xfrm>
+          <a:prstGeom prst="roundRect">
+            <a:avLst/>
+          </a:prstGeom>
+          <a:ln>
+            <a:solidFill>
+              <a:schemeClr val="tx1"/>
+            </a:solidFill>
+          </a:ln>
+        </p:spPr>
+        <p:style>
+          <a:lnRef idx="1">
+            <a:schemeClr val="accent4"/>
+          </a:lnRef>
+          <a:fillRef idx="2">
+            <a:schemeClr val="accent4"/>
+          </a:fillRef>
+          <a:effectRef idx="1">
+            <a:schemeClr val="accent4"/>
+          </a:effectRef>
+          <a:fontRef idx="minor">
+            <a:schemeClr val="dk1"/>
+          </a:fontRef>
+        </p:style>
+        <p:txBody>
+          <a:bodyPr rtlCol="0" anchor="ctr"/>
+          <a:lstStyle/>
+          <a:p>
+            <a:pPr algn="ctr"/>
+            <a:r>
+              <a:rPr lang="it-IT" dirty="0"/>
+              <a:t>a</a:t>
+            </a:r>
+          </a:p>
+        </p:txBody>
+      </p:sp>
       <p:cxnSp>
         <p:nvCxnSpPr>
-          <p:cNvPr id="17" name="Connettore 2 16">
-            <a:extLst>
-              <a:ext uri="{FF2B5EF4-FFF2-40B4-BE49-F238E27FC236}">
-                <a16:creationId xmlns:a16="http://schemas.microsoft.com/office/drawing/2014/main" id="{9F21D23D-15DE-9698-4BBF-F2E2DC60325E}"/>
+          <p:cNvPr id="13" name="Connettore diritto 12">
+            <a:extLst>
+              <a:ext uri="{FF2B5EF4-FFF2-40B4-BE49-F238E27FC236}">
+                <a16:creationId xmlns:a16="http://schemas.microsoft.com/office/drawing/2014/main" id="{3CB56ECC-B51B-EEA5-CB45-647D2362FB78}"/>
+              </a:ext>
+            </a:extLst>
+          </p:cNvPr>
+          <p:cNvCxnSpPr/>
+          <p:nvPr/>
+        </p:nvCxnSpPr>
+        <p:spPr>
+          <a:xfrm>
+            <a:off x="6761527" y="0"/>
+            <a:ext cx="0" cy="6858000"/>
+          </a:xfrm>
+          <a:prstGeom prst="line">
+            <a:avLst/>
+          </a:prstGeom>
+          <a:ln w="12700"/>
+        </p:spPr>
+        <p:style>
+          <a:lnRef idx="1">
+            <a:schemeClr val="dk1"/>
+          </a:lnRef>
+          <a:fillRef idx="0">
+            <a:schemeClr val="dk1"/>
+          </a:fillRef>
+          <a:effectRef idx="0">
+            <a:schemeClr val="dk1"/>
+          </a:effectRef>
+          <a:fontRef idx="minor">
+            <a:schemeClr val="tx1"/>
+          </a:fontRef>
+        </p:style>
+      </p:cxnSp>
+      <p:cxnSp>
+        <p:nvCxnSpPr>
+          <p:cNvPr id="15" name="Connettore diritto 14">
+            <a:extLst>
+              <a:ext uri="{FF2B5EF4-FFF2-40B4-BE49-F238E27FC236}">
+                <a16:creationId xmlns:a16="http://schemas.microsoft.com/office/drawing/2014/main" id="{8618C198-7439-0244-C777-ABD30C2A7807}"/>
               </a:ext>
             </a:extLst>
           </p:cNvPr>
           <p:cNvCxnSpPr>
             <a:cxnSpLocks/>
-            <a:stCxn id="3" idx="3"/>
-            <a:endCxn id="12" idx="1"/>
           </p:cNvCxnSpPr>
           <p:nvPr/>
         </p:nvCxnSpPr>
         <p:spPr>
-          <a:xfrm flipV="1">
-            <a:off x="3872886" y="3705529"/>
-            <a:ext cx="466532" cy="11601"/>
+          <a:xfrm>
+            <a:off x="6761527" y="4877512"/>
+            <a:ext cx="5430473" cy="0"/>
           </a:xfrm>
-          <a:prstGeom prst="straightConnector1">
+          <a:prstGeom prst="line">
             <a:avLst/>
           </a:prstGeom>
-          <a:ln w="38100">
+          <a:ln w="12700">
             <a:solidFill>
-              <a:srgbClr val="FF0000"/>
+              <a:schemeClr val="tx1"/>
             </a:solidFill>
-            <a:tailEnd type="triangle"/>
           </a:ln>
         </p:spPr>
         <p:style>
@@ -3438,430 +3659,10 @@
           </a:fontRef>
         </p:style>
       </p:cxnSp>
-      <p:cxnSp>
-        <p:nvCxnSpPr>
-          <p:cNvPr id="26" name="Connettore 2 25">
-            <a:extLst>
-              <a:ext uri="{FF2B5EF4-FFF2-40B4-BE49-F238E27FC236}">
-                <a16:creationId xmlns:a16="http://schemas.microsoft.com/office/drawing/2014/main" id="{7E93AF9D-BEB7-BA38-945F-429EE17D0C53}"/>
-              </a:ext>
-            </a:extLst>
-          </p:cNvPr>
-          <p:cNvCxnSpPr>
-            <a:cxnSpLocks/>
-            <a:stCxn id="12" idx="3"/>
-            <a:endCxn id="8" idx="1"/>
-          </p:cNvCxnSpPr>
-          <p:nvPr/>
-        </p:nvCxnSpPr>
-        <p:spPr>
-          <a:xfrm>
-            <a:off x="7941319" y="3705529"/>
-            <a:ext cx="354956" cy="0"/>
-          </a:xfrm>
-          <a:prstGeom prst="straightConnector1">
-            <a:avLst/>
-          </a:prstGeom>
-          <a:ln w="38100">
-            <a:solidFill>
-              <a:srgbClr val="FF0000"/>
-            </a:solidFill>
-            <a:tailEnd type="triangle"/>
-          </a:ln>
-        </p:spPr>
-        <p:style>
-          <a:lnRef idx="1">
-            <a:schemeClr val="accent1"/>
-          </a:lnRef>
-          <a:fillRef idx="0">
-            <a:schemeClr val="accent1"/>
-          </a:fillRef>
-          <a:effectRef idx="0">
-            <a:schemeClr val="accent1"/>
-          </a:effectRef>
-          <a:fontRef idx="minor">
-            <a:schemeClr val="tx1"/>
-          </a:fontRef>
-        </p:style>
-      </p:cxnSp>
-      <p:sp>
-        <p:nvSpPr>
-          <p:cNvPr id="29" name="Rettangolo con angoli arrotondati 28">
-            <a:extLst>
-              <a:ext uri="{FF2B5EF4-FFF2-40B4-BE49-F238E27FC236}">
-                <a16:creationId xmlns:a16="http://schemas.microsoft.com/office/drawing/2014/main" id="{29707E4A-2151-73A5-61E1-5C638DD9962C}"/>
-              </a:ext>
-            </a:extLst>
-          </p:cNvPr>
-          <p:cNvSpPr/>
-          <p:nvPr/>
-        </p:nvSpPr>
-        <p:spPr>
-          <a:xfrm>
-            <a:off x="4458587" y="1676400"/>
-            <a:ext cx="327660" cy="243840"/>
-          </a:xfrm>
-          <a:prstGeom prst="roundRect">
-            <a:avLst/>
-          </a:prstGeom>
-          <a:solidFill>
-            <a:srgbClr val="FFC000"/>
-          </a:solidFill>
-          <a:ln>
-            <a:solidFill>
-              <a:schemeClr val="bg1"/>
-            </a:solidFill>
-          </a:ln>
-        </p:spPr>
-        <p:style>
-          <a:lnRef idx="2">
-            <a:schemeClr val="accent1">
-              <a:shade val="50000"/>
-            </a:schemeClr>
-          </a:lnRef>
-          <a:fillRef idx="1">
-            <a:schemeClr val="accent1"/>
-          </a:fillRef>
-          <a:effectRef idx="0">
-            <a:schemeClr val="accent1"/>
-          </a:effectRef>
-          <a:fontRef idx="minor">
-            <a:schemeClr val="lt1"/>
-          </a:fontRef>
-        </p:style>
-        <p:txBody>
-          <a:bodyPr rtlCol="0" anchor="ctr"/>
-          <a:lstStyle/>
-          <a:p>
-            <a:pPr algn="ctr"/>
-            <a:r>
-              <a:rPr lang="it-IT" dirty="0">
-                <a:solidFill>
-                  <a:schemeClr val="tx1"/>
-                </a:solidFill>
-              </a:rPr>
-              <a:t>b</a:t>
-            </a:r>
-          </a:p>
-        </p:txBody>
-      </p:sp>
-      <p:sp>
-        <p:nvSpPr>
-          <p:cNvPr id="30" name="Rettangolo con angoli arrotondati 29">
-            <a:extLst>
-              <a:ext uri="{FF2B5EF4-FFF2-40B4-BE49-F238E27FC236}">
-                <a16:creationId xmlns:a16="http://schemas.microsoft.com/office/drawing/2014/main" id="{68130F63-C828-64B1-0D01-A5F22D2882D7}"/>
-              </a:ext>
-            </a:extLst>
-          </p:cNvPr>
-          <p:cNvSpPr/>
-          <p:nvPr/>
-        </p:nvSpPr>
-        <p:spPr>
-          <a:xfrm>
-            <a:off x="8397240" y="1676400"/>
-            <a:ext cx="327660" cy="243840"/>
-          </a:xfrm>
-          <a:prstGeom prst="roundRect">
-            <a:avLst/>
-          </a:prstGeom>
-          <a:solidFill>
-            <a:srgbClr val="FFC000"/>
-          </a:solidFill>
-          <a:ln>
-            <a:solidFill>
-              <a:schemeClr val="bg1"/>
-            </a:solidFill>
-          </a:ln>
-        </p:spPr>
-        <p:style>
-          <a:lnRef idx="2">
-            <a:schemeClr val="accent1">
-              <a:shade val="50000"/>
-            </a:schemeClr>
-          </a:lnRef>
-          <a:fillRef idx="1">
-            <a:schemeClr val="accent1"/>
-          </a:fillRef>
-          <a:effectRef idx="0">
-            <a:schemeClr val="accent1"/>
-          </a:effectRef>
-          <a:fontRef idx="minor">
-            <a:schemeClr val="lt1"/>
-          </a:fontRef>
-        </p:style>
-        <p:txBody>
-          <a:bodyPr rtlCol="0" anchor="ctr"/>
-          <a:lstStyle/>
-          <a:p>
-            <a:pPr algn="ctr"/>
-            <a:r>
-              <a:rPr lang="it-IT" dirty="0">
-                <a:solidFill>
-                  <a:schemeClr val="tx1"/>
-                </a:solidFill>
-              </a:rPr>
-              <a:t>c</a:t>
-            </a:r>
-          </a:p>
-        </p:txBody>
-      </p:sp>
-      <p:pic>
-        <p:nvPicPr>
-          <p:cNvPr id="3" name="Immagine 2">
-            <a:extLst>
-              <a:ext uri="{FF2B5EF4-FFF2-40B4-BE49-F238E27FC236}">
-                <a16:creationId xmlns:a16="http://schemas.microsoft.com/office/drawing/2014/main" id="{6C6008EA-9FBE-1247-72E7-B53F4D73E4FA}"/>
-              </a:ext>
-            </a:extLst>
-          </p:cNvPr>
-          <p:cNvPicPr>
-            <a:picLocks noChangeAspect="1"/>
-          </p:cNvPicPr>
-          <p:nvPr/>
-        </p:nvPicPr>
-        <p:blipFill>
-          <a:blip r:embed="rId4">
-            <a:extLst>
-              <a:ext uri="{28A0092B-C50C-407E-A947-70E740481C1C}">
-                <a14:useLocalDpi xmlns:a14="http://schemas.microsoft.com/office/drawing/2010/main" val="0"/>
-              </a:ext>
-            </a:extLst>
-          </a:blip>
-          <a:stretch>
-            <a:fillRect/>
-          </a:stretch>
-        </p:blipFill>
-        <p:spPr>
-          <a:xfrm>
-            <a:off x="-1" y="1590674"/>
-            <a:ext cx="3872887" cy="4252911"/>
-          </a:xfrm>
-          <a:prstGeom prst="rect">
-            <a:avLst/>
-          </a:prstGeom>
-        </p:spPr>
-      </p:pic>
-      <p:sp>
-        <p:nvSpPr>
-          <p:cNvPr id="31" name="Rettangolo con angoli arrotondati 30">
-            <a:extLst>
-              <a:ext uri="{FF2B5EF4-FFF2-40B4-BE49-F238E27FC236}">
-                <a16:creationId xmlns:a16="http://schemas.microsoft.com/office/drawing/2014/main" id="{D828174B-5FF4-25D6-E2A2-7FC1387C7D20}"/>
-              </a:ext>
-            </a:extLst>
-          </p:cNvPr>
-          <p:cNvSpPr/>
-          <p:nvPr/>
-        </p:nvSpPr>
-        <p:spPr>
-          <a:xfrm>
-            <a:off x="114947" y="1676400"/>
-            <a:ext cx="327660" cy="243840"/>
-          </a:xfrm>
-          <a:prstGeom prst="roundRect">
-            <a:avLst/>
-          </a:prstGeom>
-          <a:solidFill>
-            <a:srgbClr val="FFC000"/>
-          </a:solidFill>
-          <a:ln>
-            <a:solidFill>
-              <a:schemeClr val="bg1"/>
-            </a:solidFill>
-          </a:ln>
-        </p:spPr>
-        <p:style>
-          <a:lnRef idx="2">
-            <a:schemeClr val="accent1">
-              <a:shade val="50000"/>
-            </a:schemeClr>
-          </a:lnRef>
-          <a:fillRef idx="1">
-            <a:schemeClr val="accent1"/>
-          </a:fillRef>
-          <a:effectRef idx="0">
-            <a:schemeClr val="accent1"/>
-          </a:effectRef>
-          <a:fontRef idx="minor">
-            <a:schemeClr val="lt1"/>
-          </a:fontRef>
-        </p:style>
-        <p:txBody>
-          <a:bodyPr rtlCol="0" anchor="ctr"/>
-          <a:lstStyle/>
-          <a:p>
-            <a:pPr algn="ctr"/>
-            <a:r>
-              <a:rPr lang="it-IT">
-                <a:solidFill>
-                  <a:schemeClr val="tx1"/>
-                </a:solidFill>
-              </a:rPr>
-              <a:t>a</a:t>
-            </a:r>
-            <a:endParaRPr lang="it-IT" dirty="0">
-              <a:solidFill>
-                <a:schemeClr val="tx1"/>
-              </a:solidFill>
-            </a:endParaRPr>
-          </a:p>
-        </p:txBody>
-      </p:sp>
-      <p:sp>
-        <p:nvSpPr>
-          <p:cNvPr id="4" name="Ovale 3">
-            <a:extLst>
-              <a:ext uri="{FF2B5EF4-FFF2-40B4-BE49-F238E27FC236}">
-                <a16:creationId xmlns:a16="http://schemas.microsoft.com/office/drawing/2014/main" id="{C0ED978C-8B64-F930-0AEB-F5C9BEB77F76}"/>
-              </a:ext>
-            </a:extLst>
-          </p:cNvPr>
-          <p:cNvSpPr/>
-          <p:nvPr/>
-        </p:nvSpPr>
-        <p:spPr>
-          <a:xfrm>
-            <a:off x="2348543" y="2507885"/>
-            <a:ext cx="1504733" cy="1320159"/>
-          </a:xfrm>
-          <a:prstGeom prst="ellipse">
-            <a:avLst/>
-          </a:prstGeom>
-          <a:noFill/>
-          <a:ln>
-            <a:solidFill>
-              <a:schemeClr val="bg1"/>
-            </a:solidFill>
-          </a:ln>
-        </p:spPr>
-        <p:style>
-          <a:lnRef idx="2">
-            <a:schemeClr val="accent6"/>
-          </a:lnRef>
-          <a:fillRef idx="1">
-            <a:schemeClr val="lt1"/>
-          </a:fillRef>
-          <a:effectRef idx="0">
-            <a:schemeClr val="accent6"/>
-          </a:effectRef>
-          <a:fontRef idx="minor">
-            <a:schemeClr val="dk1"/>
-          </a:fontRef>
-        </p:style>
-        <p:txBody>
-          <a:bodyPr rtlCol="0" anchor="ctr"/>
-          <a:lstStyle/>
-          <a:p>
-            <a:pPr algn="ctr"/>
-            <a:endParaRPr lang="it-IT"/>
-          </a:p>
-        </p:txBody>
-      </p:sp>
-      <p:sp>
-        <p:nvSpPr>
-          <p:cNvPr id="5" name="Ovale 4">
-            <a:extLst>
-              <a:ext uri="{FF2B5EF4-FFF2-40B4-BE49-F238E27FC236}">
-                <a16:creationId xmlns:a16="http://schemas.microsoft.com/office/drawing/2014/main" id="{937C99C3-6397-0B43-B0ED-D7F27ACCF835}"/>
-              </a:ext>
-            </a:extLst>
-          </p:cNvPr>
-          <p:cNvSpPr/>
-          <p:nvPr/>
-        </p:nvSpPr>
-        <p:spPr>
-          <a:xfrm>
-            <a:off x="6436586" y="2507886"/>
-            <a:ext cx="1504733" cy="1320159"/>
-          </a:xfrm>
-          <a:prstGeom prst="ellipse">
-            <a:avLst/>
-          </a:prstGeom>
-          <a:noFill/>
-          <a:ln>
-            <a:solidFill>
-              <a:schemeClr val="bg1"/>
-            </a:solidFill>
-          </a:ln>
-        </p:spPr>
-        <p:style>
-          <a:lnRef idx="2">
-            <a:schemeClr val="accent6"/>
-          </a:lnRef>
-          <a:fillRef idx="1">
-            <a:schemeClr val="lt1"/>
-          </a:fillRef>
-          <a:effectRef idx="0">
-            <a:schemeClr val="accent6"/>
-          </a:effectRef>
-          <a:fontRef idx="minor">
-            <a:schemeClr val="dk1"/>
-          </a:fontRef>
-        </p:style>
-        <p:txBody>
-          <a:bodyPr rtlCol="0" anchor="ctr"/>
-          <a:lstStyle/>
-          <a:p>
-            <a:pPr algn="ctr"/>
-            <a:endParaRPr lang="it-IT"/>
-          </a:p>
-        </p:txBody>
-      </p:sp>
-      <p:sp>
-        <p:nvSpPr>
-          <p:cNvPr id="20" name="Ovale 19">
-            <a:extLst>
-              <a:ext uri="{FF2B5EF4-FFF2-40B4-BE49-F238E27FC236}">
-                <a16:creationId xmlns:a16="http://schemas.microsoft.com/office/drawing/2014/main" id="{1B005782-A354-EF51-32C4-FF25D0E1E818}"/>
-              </a:ext>
-            </a:extLst>
-          </p:cNvPr>
-          <p:cNvSpPr/>
-          <p:nvPr/>
-        </p:nvSpPr>
-        <p:spPr>
-          <a:xfrm>
-            <a:off x="10572320" y="2385370"/>
-            <a:ext cx="1504733" cy="1320159"/>
-          </a:xfrm>
-          <a:prstGeom prst="ellipse">
-            <a:avLst/>
-          </a:prstGeom>
-          <a:noFill/>
-          <a:ln>
-            <a:solidFill>
-              <a:schemeClr val="bg1"/>
-            </a:solidFill>
-          </a:ln>
-        </p:spPr>
-        <p:style>
-          <a:lnRef idx="2">
-            <a:schemeClr val="accent6"/>
-          </a:lnRef>
-          <a:fillRef idx="1">
-            <a:schemeClr val="lt1"/>
-          </a:fillRef>
-          <a:effectRef idx="0">
-            <a:schemeClr val="accent6"/>
-          </a:effectRef>
-          <a:fontRef idx="minor">
-            <a:schemeClr val="dk1"/>
-          </a:fontRef>
-        </p:style>
-        <p:txBody>
-          <a:bodyPr rtlCol="0" anchor="ctr"/>
-          <a:lstStyle/>
-          <a:p>
-            <a:pPr algn="ctr"/>
-            <a:endParaRPr lang="it-IT"/>
-          </a:p>
-        </p:txBody>
-      </p:sp>
     </p:spTree>
     <p:extLst>
       <p:ext uri="{BB962C8B-B14F-4D97-AF65-F5344CB8AC3E}">
-        <p14:creationId xmlns:p14="http://schemas.microsoft.com/office/powerpoint/2010/main" val="298149366"/>
+        <p14:creationId xmlns:p14="http://schemas.microsoft.com/office/powerpoint/2010/main" val="29811669"/>
       </p:ext>
     </p:extLst>
   </p:cSld>
@@ -4164,4 +3965,193 @@
     </a:ext>
   </a:extLst>
 </a:theme>
+</file>
+
+<file path=customXml/item1.xml><?xml version="1.0" encoding="utf-8"?>
+<ct:contentTypeSchema xmlns:ct="http://schemas.microsoft.com/office/2006/metadata/contentType" xmlns:ma="http://schemas.microsoft.com/office/2006/metadata/properties/metaAttributes" ct:_="" ma:_="" ma:contentTypeName="Documento" ma:contentTypeID="0x010100F85318A7CBD6F147BFB0D71BC496FB83" ma:contentTypeVersion="2" ma:contentTypeDescription="Creare un nuovo documento." ma:contentTypeScope="" ma:versionID="607ff87decb6b1233dff704e6efd7bcc">
+  <xsd:schema xmlns:xsd="http://www.w3.org/2001/XMLSchema" xmlns:xs="http://www.w3.org/2001/XMLSchema" xmlns:p="http://schemas.microsoft.com/office/2006/metadata/properties" xmlns:ns3="edfce47a-b68d-423b-b051-eec80be2c8f5" targetNamespace="http://schemas.microsoft.com/office/2006/metadata/properties" ma:root="true" ma:fieldsID="1260e0b32ddcee4d00eb464bbac67675" ns3:_="">
+    <xsd:import namespace="edfce47a-b68d-423b-b051-eec80be2c8f5"/>
+    <xsd:element name="properties">
+      <xsd:complexType>
+        <xsd:sequence>
+          <xsd:element name="documentManagement">
+            <xsd:complexType>
+              <xsd:all>
+                <xsd:element ref="ns3:MediaServiceMetadata" minOccurs="0"/>
+                <xsd:element ref="ns3:MediaServiceFastMetadata" minOccurs="0"/>
+              </xsd:all>
+            </xsd:complexType>
+          </xsd:element>
+        </xsd:sequence>
+      </xsd:complexType>
+    </xsd:element>
+  </xsd:schema>
+  <xsd:schema xmlns:xsd="http://www.w3.org/2001/XMLSchema" xmlns:xs="http://www.w3.org/2001/XMLSchema" xmlns:dms="http://schemas.microsoft.com/office/2006/documentManagement/types" xmlns:pc="http://schemas.microsoft.com/office/infopath/2007/PartnerControls" targetNamespace="edfce47a-b68d-423b-b051-eec80be2c8f5" elementFormDefault="qualified">
+    <xsd:import namespace="http://schemas.microsoft.com/office/2006/documentManagement/types"/>
+    <xsd:import namespace="http://schemas.microsoft.com/office/infopath/2007/PartnerControls"/>
+    <xsd:element name="MediaServiceMetadata" ma:index="8" nillable="true" ma:displayName="MediaServiceMetadata" ma:hidden="true" ma:internalName="MediaServiceMetadata" ma:readOnly="true">
+      <xsd:simpleType>
+        <xsd:restriction base="dms:Note"/>
+      </xsd:simpleType>
+    </xsd:element>
+    <xsd:element name="MediaServiceFastMetadata" ma:index="9" nillable="true" ma:displayName="MediaServiceFastMetadata" ma:hidden="true" ma:internalName="MediaServiceFastMetadata" ma:readOnly="true">
+      <xsd:simpleType>
+        <xsd:restriction base="dms:Note"/>
+      </xsd:simpleType>
+    </xsd:element>
+  </xsd:schema>
+  <xsd:schema xmlns="http://schemas.openxmlformats.org/package/2006/metadata/core-properties" xmlns:xsd="http://www.w3.org/2001/XMLSchema" xmlns:xsi="http://www.w3.org/2001/XMLSchema-instance" xmlns:dc="http://purl.org/dc/elements/1.1/" xmlns:dcterms="http://purl.org/dc/terms/" xmlns:odoc="http://schemas.microsoft.com/internal/obd" targetNamespace="http://schemas.openxmlformats.org/package/2006/metadata/core-properties" elementFormDefault="qualified" attributeFormDefault="unqualified" blockDefault="#all">
+    <xsd:import namespace="http://purl.org/dc/elements/1.1/" schemaLocation="http://dublincore.org/schemas/xmls/qdc/2003/04/02/dc.xsd"/>
+    <xsd:import namespace="http://purl.org/dc/terms/" schemaLocation="http://dublincore.org/schemas/xmls/qdc/2003/04/02/dcterms.xsd"/>
+    <xsd:element name="coreProperties" type="CT_coreProperties"/>
+    <xsd:complexType name="CT_coreProperties">
+      <xsd:all>
+        <xsd:element ref="dc:creator" minOccurs="0" maxOccurs="1"/>
+        <xsd:element ref="dcterms:created" minOccurs="0" maxOccurs="1"/>
+        <xsd:element ref="dc:identifier" minOccurs="0" maxOccurs="1"/>
+        <xsd:element name="contentType" minOccurs="0" maxOccurs="1" type="xsd:string" ma:index="0" ma:displayName="Tipo di contenuto"/>
+        <xsd:element ref="dc:title" minOccurs="0" maxOccurs="1" ma:index="4" ma:displayName="Titolo"/>
+        <xsd:element ref="dc:subject" minOccurs="0" maxOccurs="1"/>
+        <xsd:element ref="dc:description" minOccurs="0" maxOccurs="1"/>
+        <xsd:element name="keywords" minOccurs="0" maxOccurs="1" type="xsd:string"/>
+        <xsd:element ref="dc:language" minOccurs="0" maxOccurs="1"/>
+        <xsd:element name="category" minOccurs="0" maxOccurs="1" type="xsd:string"/>
+        <xsd:element name="version" minOccurs="0" maxOccurs="1" type="xsd:string"/>
+        <xsd:element name="revision" minOccurs="0" maxOccurs="1" type="xsd:string">
+          <xsd:annotation>
+            <xsd:documentation>
+                        This value indicates the number of saves or revisions. The application is responsible for updating this value after each revision.
+                    </xsd:documentation>
+          </xsd:annotation>
+        </xsd:element>
+        <xsd:element name="lastModifiedBy" minOccurs="0" maxOccurs="1" type="xsd:string"/>
+        <xsd:element ref="dcterms:modified" minOccurs="0" maxOccurs="1"/>
+        <xsd:element name="contentStatus" minOccurs="0" maxOccurs="1" type="xsd:string"/>
+      </xsd:all>
+    </xsd:complexType>
+  </xsd:schema>
+  <xs:schema xmlns:pc="http://schemas.microsoft.com/office/infopath/2007/PartnerControls" xmlns:xs="http://www.w3.org/2001/XMLSchema" targetNamespace="http://schemas.microsoft.com/office/infopath/2007/PartnerControls" elementFormDefault="qualified" attributeFormDefault="unqualified">
+    <xs:element name="Person">
+      <xs:complexType>
+        <xs:sequence>
+          <xs:element ref="pc:DisplayName" minOccurs="0"/>
+          <xs:element ref="pc:AccountId" minOccurs="0"/>
+          <xs:element ref="pc:AccountType" minOccurs="0"/>
+        </xs:sequence>
+      </xs:complexType>
+    </xs:element>
+    <xs:element name="DisplayName" type="xs:string"/>
+    <xs:element name="AccountId" type="xs:string"/>
+    <xs:element name="AccountType" type="xs:string"/>
+    <xs:element name="BDCAssociatedEntity">
+      <xs:complexType>
+        <xs:sequence>
+          <xs:element ref="pc:BDCEntity" minOccurs="0" maxOccurs="unbounded"/>
+        </xs:sequence>
+        <xs:attribute ref="pc:EntityNamespace"/>
+        <xs:attribute ref="pc:EntityName"/>
+        <xs:attribute ref="pc:SystemInstanceName"/>
+        <xs:attribute ref="pc:AssociationName"/>
+      </xs:complexType>
+    </xs:element>
+    <xs:attribute name="EntityNamespace" type="xs:string"/>
+    <xs:attribute name="EntityName" type="xs:string"/>
+    <xs:attribute name="SystemInstanceName" type="xs:string"/>
+    <xs:attribute name="AssociationName" type="xs:string"/>
+    <xs:element name="BDCEntity">
+      <xs:complexType>
+        <xs:sequence>
+          <xs:element ref="pc:EntityDisplayName" minOccurs="0"/>
+          <xs:element ref="pc:EntityInstanceReference" minOccurs="0"/>
+          <xs:element ref="pc:EntityId1" minOccurs="0"/>
+          <xs:element ref="pc:EntityId2" minOccurs="0"/>
+          <xs:element ref="pc:EntityId3" minOccurs="0"/>
+          <xs:element ref="pc:EntityId4" minOccurs="0"/>
+          <xs:element ref="pc:EntityId5" minOccurs="0"/>
+        </xs:sequence>
+      </xs:complexType>
+    </xs:element>
+    <xs:element name="EntityDisplayName" type="xs:string"/>
+    <xs:element name="EntityInstanceReference" type="xs:string"/>
+    <xs:element name="EntityId1" type="xs:string"/>
+    <xs:element name="EntityId2" type="xs:string"/>
+    <xs:element name="EntityId3" type="xs:string"/>
+    <xs:element name="EntityId4" type="xs:string"/>
+    <xs:element name="EntityId5" type="xs:string"/>
+    <xs:element name="Terms">
+      <xs:complexType>
+        <xs:sequence>
+          <xs:element ref="pc:TermInfo" minOccurs="0" maxOccurs="unbounded"/>
+        </xs:sequence>
+      </xs:complexType>
+    </xs:element>
+    <xs:element name="TermInfo">
+      <xs:complexType>
+        <xs:sequence>
+          <xs:element ref="pc:TermName" minOccurs="0"/>
+          <xs:element ref="pc:TermId" minOccurs="0"/>
+        </xs:sequence>
+      </xs:complexType>
+    </xs:element>
+    <xs:element name="TermName" type="xs:string"/>
+    <xs:element name="TermId" type="xs:string"/>
+  </xs:schema>
+</ct:contentTypeSchema>
+</file>
+
+<file path=customXml/item2.xml><?xml version="1.0" encoding="utf-8"?>
+<?mso-contentType ?>
+<FormTemplates xmlns="http://schemas.microsoft.com/sharepoint/v3/contenttype/forms">
+  <Display>DocumentLibraryForm</Display>
+  <Edit>DocumentLibraryForm</Edit>
+  <New>DocumentLibraryForm</New>
+</FormTemplates>
+</file>
+
+<file path=customXml/item3.xml><?xml version="1.0" encoding="utf-8"?>
+<p:properties xmlns:p="http://schemas.microsoft.com/office/2006/metadata/properties" xmlns:xsi="http://www.w3.org/2001/XMLSchema-instance" xmlns:pc="http://schemas.microsoft.com/office/infopath/2007/PartnerControls">
+  <documentManagement/>
+</p:properties>
+</file>
+
+<file path=customXml/itemProps1.xml><?xml version="1.0" encoding="utf-8"?>
+<ds:datastoreItem xmlns:ds="http://schemas.openxmlformats.org/officeDocument/2006/customXml" ds:itemID="{0AED1F90-DBCE-4206-8513-9B1B9FD0EE5D}">
+  <ds:schemaRefs>
+    <ds:schemaRef ds:uri="http://schemas.microsoft.com/office/2006/metadata/contentType"/>
+    <ds:schemaRef ds:uri="http://schemas.microsoft.com/office/2006/metadata/properties/metaAttributes"/>
+    <ds:schemaRef ds:uri="http://www.w3.org/2001/XMLSchema"/>
+    <ds:schemaRef ds:uri="http://schemas.microsoft.com/office/2006/metadata/properties"/>
+    <ds:schemaRef ds:uri="edfce47a-b68d-423b-b051-eec80be2c8f5"/>
+    <ds:schemaRef ds:uri="http://schemas.microsoft.com/office/2006/documentManagement/types"/>
+    <ds:schemaRef ds:uri="http://schemas.microsoft.com/office/infopath/2007/PartnerControls"/>
+    <ds:schemaRef ds:uri="http://schemas.openxmlformats.org/package/2006/metadata/core-properties"/>
+    <ds:schemaRef ds:uri="http://purl.org/dc/elements/1.1/"/>
+    <ds:schemaRef ds:uri="http://purl.org/dc/terms/"/>
+    <ds:schemaRef ds:uri="http://schemas.microsoft.com/internal/obd"/>
+  </ds:schemaRefs>
+</ds:datastoreItem>
+</file>
+
+<file path=customXml/itemProps2.xml><?xml version="1.0" encoding="utf-8"?>
+<ds:datastoreItem xmlns:ds="http://schemas.openxmlformats.org/officeDocument/2006/customXml" ds:itemID="{B007C3B4-20E1-428E-B941-3F9834419A21}">
+  <ds:schemaRefs>
+    <ds:schemaRef ds:uri="http://schemas.microsoft.com/sharepoint/v3/contenttype/forms"/>
+  </ds:schemaRefs>
+</ds:datastoreItem>
+</file>
+
+<file path=customXml/itemProps3.xml><?xml version="1.0" encoding="utf-8"?>
+<ds:datastoreItem xmlns:ds="http://schemas.openxmlformats.org/officeDocument/2006/customXml" ds:itemID="{DBF836A3-1458-4151-8D24-93F6E9BE5EBA}">
+  <ds:schemaRefs>
+    <ds:schemaRef ds:uri="http://purl.org/dc/elements/1.1/"/>
+    <ds:schemaRef ds:uri="http://purl.org/dc/terms/"/>
+    <ds:schemaRef ds:uri="http://schemas.microsoft.com/office/2006/metadata/properties"/>
+    <ds:schemaRef ds:uri="http://schemas.microsoft.com/office/infopath/2007/PartnerControls"/>
+    <ds:schemaRef ds:uri="http://www.w3.org/XML/1998/namespace"/>
+    <ds:schemaRef ds:uri="http://schemas.microsoft.com/office/2006/documentManagement/types"/>
+    <ds:schemaRef ds:uri="http://schemas.openxmlformats.org/package/2006/metadata/core-properties"/>
+    <ds:schemaRef ds:uri="edfce47a-b68d-423b-b051-eec80be2c8f5"/>
+    <ds:schemaRef ds:uri="http://purl.org/dc/dcmitype/"/>
+  </ds:schemaRefs>
+</ds:datastoreItem>
 </file>